--- a/Marketing Analysis Deck vfinal.pptx
+++ b/Marketing Analysis Deck vfinal.pptx
@@ -13,17 +13,17 @@
     <p:sldId id="339" r:id="rId4"/>
     <p:sldId id="347" r:id="rId5"/>
     <p:sldId id="346" r:id="rId6"/>
-    <p:sldId id="267" r:id="rId7"/>
-    <p:sldId id="355" r:id="rId8"/>
-    <p:sldId id="337" r:id="rId9"/>
-    <p:sldId id="356" r:id="rId10"/>
-    <p:sldId id="354" r:id="rId11"/>
-    <p:sldId id="348" r:id="rId12"/>
-    <p:sldId id="358" r:id="rId13"/>
-    <p:sldId id="345" r:id="rId14"/>
-    <p:sldId id="353" r:id="rId15"/>
-    <p:sldId id="334" r:id="rId16"/>
-    <p:sldId id="351" r:id="rId17"/>
+    <p:sldId id="355" r:id="rId7"/>
+    <p:sldId id="337" r:id="rId8"/>
+    <p:sldId id="356" r:id="rId9"/>
+    <p:sldId id="354" r:id="rId10"/>
+    <p:sldId id="353" r:id="rId11"/>
+    <p:sldId id="334" r:id="rId12"/>
+    <p:sldId id="351" r:id="rId13"/>
+    <p:sldId id="348" r:id="rId14"/>
+    <p:sldId id="267" r:id="rId15"/>
+    <p:sldId id="358" r:id="rId16"/>
+    <p:sldId id="345" r:id="rId17"/>
     <p:sldId id="332" r:id="rId18"/>
     <p:sldId id="338" r:id="rId19"/>
     <p:sldId id="352" r:id="rId20"/>
@@ -637,7 +637,7 @@
           <a:p>
             <a:fld id="{C9C43186-AD6A-445D-B844-26F43D424E92}" type="slidenum">
               <a:rPr lang="en-US" smtClean="0"/>
-              <a:t>12</a:t>
+              <a:t>15</a:t>
             </a:fld>
             <a:endParaRPr lang="en-US"/>
           </a:p>
@@ -647,6 +647,90 @@
     <p:extLst>
       <p:ext uri="{BB962C8B-B14F-4D97-AF65-F5344CB8AC3E}">
         <p14:creationId xmlns:p14="http://schemas.microsoft.com/office/powerpoint/2010/main" val="3342154150"/>
+      </p:ext>
+    </p:extLst>
+  </p:cSld>
+  <p:clrMapOvr>
+    <a:masterClrMapping/>
+  </p:clrMapOvr>
+</p:notes>
+</file>
+
+<file path=ppt/notesSlides/notesSlide11.xml><?xml version="1.0" encoding="utf-8"?>
+<p:notes xmlns:a="http://schemas.openxmlformats.org/drawingml/2006/main" xmlns:r="http://schemas.openxmlformats.org/officeDocument/2006/relationships" xmlns:p="http://schemas.openxmlformats.org/presentationml/2006/main">
+  <p:cSld>
+    <p:spTree>
+      <p:nvGrpSpPr>
+        <p:cNvPr id="1" name=""/>
+        <p:cNvGrpSpPr/>
+        <p:nvPr/>
+      </p:nvGrpSpPr>
+      <p:grpSpPr>
+        <a:xfrm>
+          <a:off x="0" y="0"/>
+          <a:ext cx="0" cy="0"/>
+          <a:chOff x="0" y="0"/>
+          <a:chExt cx="0" cy="0"/>
+        </a:xfrm>
+      </p:grpSpPr>
+      <p:sp>
+        <p:nvSpPr>
+          <p:cNvPr id="2" name="Slide Image Placeholder 1"/>
+          <p:cNvSpPr>
+            <a:spLocks noGrp="1" noRot="1" noChangeAspect="1"/>
+          </p:cNvSpPr>
+          <p:nvPr>
+            <p:ph type="sldImg"/>
+          </p:nvPr>
+        </p:nvSpPr>
+        <p:spPr/>
+      </p:sp>
+      <p:sp>
+        <p:nvSpPr>
+          <p:cNvPr id="3" name="Notes Placeholder 2"/>
+          <p:cNvSpPr>
+            <a:spLocks noGrp="1"/>
+          </p:cNvSpPr>
+          <p:nvPr>
+            <p:ph type="body" idx="1"/>
+          </p:nvPr>
+        </p:nvSpPr>
+        <p:spPr/>
+        <p:txBody>
+          <a:bodyPr/>
+          <a:lstStyle/>
+          <a:p>
+            <a:endParaRPr lang="en-US" dirty="0"/>
+          </a:p>
+        </p:txBody>
+      </p:sp>
+      <p:sp>
+        <p:nvSpPr>
+          <p:cNvPr id="4" name="Slide Number Placeholder 3"/>
+          <p:cNvSpPr>
+            <a:spLocks noGrp="1"/>
+          </p:cNvSpPr>
+          <p:nvPr>
+            <p:ph type="sldNum" sz="quarter" idx="5"/>
+          </p:nvPr>
+        </p:nvSpPr>
+        <p:spPr/>
+        <p:txBody>
+          <a:bodyPr/>
+          <a:lstStyle/>
+          <a:p>
+            <a:fld id="{C9C43186-AD6A-445D-B844-26F43D424E92}" type="slidenum">
+              <a:rPr lang="en-US" smtClean="0"/>
+              <a:t>16</a:t>
+            </a:fld>
+            <a:endParaRPr lang="en-US"/>
+          </a:p>
+        </p:txBody>
+      </p:sp>
+    </p:spTree>
+    <p:extLst>
+      <p:ext uri="{BB962C8B-B14F-4D97-AF65-F5344CB8AC3E}">
+        <p14:creationId xmlns:p14="http://schemas.microsoft.com/office/powerpoint/2010/main" val="2517479364"/>
       </p:ext>
     </p:extLst>
   </p:cSld>
@@ -988,7 +1072,7 @@
     </p:spTree>
     <p:extLst>
       <p:ext uri="{BB962C8B-B14F-4D97-AF65-F5344CB8AC3E}">
-        <p14:creationId xmlns:p14="http://schemas.microsoft.com/office/powerpoint/2010/main" val="1686610328"/>
+        <p14:creationId xmlns:p14="http://schemas.microsoft.com/office/powerpoint/2010/main" val="2643626456"/>
       </p:ext>
     </p:extLst>
   </p:cSld>
@@ -1042,7 +1126,10 @@
           <a:bodyPr/>
           <a:lstStyle/>
           <a:p>
-            <a:endParaRPr lang="en-US" dirty="0"/>
+            <a:r>
+              <a:rPr lang="en-US" dirty="0"/>
+              <a:t>Find median pricing in AUS and Canada </a:t>
+            </a:r>
           </a:p>
         </p:txBody>
       </p:sp>
@@ -1072,7 +1159,7 @@
     </p:spTree>
     <p:extLst>
       <p:ext uri="{BB962C8B-B14F-4D97-AF65-F5344CB8AC3E}">
-        <p14:creationId xmlns:p14="http://schemas.microsoft.com/office/powerpoint/2010/main" val="2643626456"/>
+        <p14:creationId xmlns:p14="http://schemas.microsoft.com/office/powerpoint/2010/main" val="1944326844"/>
       </p:ext>
     </p:extLst>
   </p:cSld>
@@ -1126,10 +1213,7 @@
           <a:bodyPr/>
           <a:lstStyle/>
           <a:p>
-            <a:r>
-              <a:rPr lang="en-US" dirty="0"/>
-              <a:t>Find median pricing in AUS and Canada </a:t>
-            </a:r>
+            <a:endParaRPr lang="en-US" dirty="0"/>
           </a:p>
         </p:txBody>
       </p:sp>
@@ -1159,7 +1243,7 @@
     </p:spTree>
     <p:extLst>
       <p:ext uri="{BB962C8B-B14F-4D97-AF65-F5344CB8AC3E}">
-        <p14:creationId xmlns:p14="http://schemas.microsoft.com/office/powerpoint/2010/main" val="1944326844"/>
+        <p14:creationId xmlns:p14="http://schemas.microsoft.com/office/powerpoint/2010/main" val="3503229508"/>
       </p:ext>
     </p:extLst>
   </p:cSld>
@@ -1215,7 +1299,7 @@
           <a:p>
             <a:r>
               <a:rPr lang="en-US" dirty="0"/>
-              <a:t>Find median pricing in AUS and Canada </a:t>
+              <a:t>Fix the bubble map to show circles that have populations over 20M people as red</a:t>
             </a:r>
           </a:p>
         </p:txBody>
@@ -1246,7 +1330,7 @@
     </p:spTree>
     <p:extLst>
       <p:ext uri="{BB962C8B-B14F-4D97-AF65-F5344CB8AC3E}">
-        <p14:creationId xmlns:p14="http://schemas.microsoft.com/office/powerpoint/2010/main" val="3503229508"/>
+        <p14:creationId xmlns:p14="http://schemas.microsoft.com/office/powerpoint/2010/main" val="2650041098"/>
       </p:ext>
     </p:extLst>
   </p:cSld>
@@ -1300,10 +1384,7 @@
           <a:bodyPr/>
           <a:lstStyle/>
           <a:p>
-            <a:r>
-              <a:rPr lang="en-US" dirty="0"/>
-              <a:t>Fix the bubble map to show circles that have populations over 20M people as red</a:t>
-            </a:r>
+            <a:endParaRPr lang="en-US" dirty="0"/>
           </a:p>
         </p:txBody>
       </p:sp>
@@ -1324,7 +1405,7 @@
           <a:p>
             <a:fld id="{C9C43186-AD6A-445D-B844-26F43D424E92}" type="slidenum">
               <a:rPr lang="en-US" smtClean="0"/>
-              <a:t>10</a:t>
+              <a:t>14</a:t>
             </a:fld>
             <a:endParaRPr lang="en-US"/>
           </a:p>
@@ -1333,7 +1414,7 @@
     </p:spTree>
     <p:extLst>
       <p:ext uri="{BB962C8B-B14F-4D97-AF65-F5344CB8AC3E}">
-        <p14:creationId xmlns:p14="http://schemas.microsoft.com/office/powerpoint/2010/main" val="2650041098"/>
+        <p14:creationId xmlns:p14="http://schemas.microsoft.com/office/powerpoint/2010/main" val="1686610328"/>
       </p:ext>
     </p:extLst>
   </p:cSld>
@@ -7755,6 +7836,153 @@
           <p:cNvPr id="2" name="Title 1">
             <a:extLst>
               <a:ext uri="{FF2B5EF4-FFF2-40B4-BE49-F238E27FC236}">
+                <a16:creationId xmlns:a16="http://schemas.microsoft.com/office/drawing/2014/main" id="{B62F58B5-EB4E-2E05-B0E1-155689366077}"/>
+              </a:ext>
+            </a:extLst>
+          </p:cNvPr>
+          <p:cNvSpPr>
+            <a:spLocks noGrp="1"/>
+          </p:cNvSpPr>
+          <p:nvPr>
+            <p:ph type="title"/>
+          </p:nvPr>
+        </p:nvSpPr>
+        <p:spPr/>
+        <p:txBody>
+          <a:bodyPr/>
+          <a:lstStyle/>
+          <a:p>
+            <a:r>
+              <a:rPr lang="en-US" dirty="0"/>
+              <a:t>Who is buying what? </a:t>
+            </a:r>
+          </a:p>
+        </p:txBody>
+      </p:sp>
+      <p:pic>
+        <p:nvPicPr>
+          <p:cNvPr id="5" name="Content Placeholder 4">
+            <a:extLst>
+              <a:ext uri="{FF2B5EF4-FFF2-40B4-BE49-F238E27FC236}">
+                <a16:creationId xmlns:a16="http://schemas.microsoft.com/office/drawing/2014/main" id="{C6561E20-6ED3-6C58-6852-BD269FCB465C}"/>
+              </a:ext>
+            </a:extLst>
+          </p:cNvPr>
+          <p:cNvPicPr>
+            <a:picLocks noGrp="1" noChangeAspect="1"/>
+          </p:cNvPicPr>
+          <p:nvPr>
+            <p:ph idx="1"/>
+          </p:nvPr>
+        </p:nvPicPr>
+        <p:blipFill>
+          <a:blip r:embed="rId2"/>
+          <a:stretch>
+            <a:fillRect/>
+          </a:stretch>
+        </p:blipFill>
+        <p:spPr>
+          <a:xfrm>
+            <a:off x="312673" y="1853249"/>
+            <a:ext cx="3384342" cy="2311128"/>
+          </a:xfrm>
+        </p:spPr>
+      </p:pic>
+      <p:pic>
+        <p:nvPicPr>
+          <p:cNvPr id="7" name="Picture 6">
+            <a:extLst>
+              <a:ext uri="{FF2B5EF4-FFF2-40B4-BE49-F238E27FC236}">
+                <a16:creationId xmlns:a16="http://schemas.microsoft.com/office/drawing/2014/main" id="{713F6A94-DD36-5D27-5A31-63ECCA21993F}"/>
+              </a:ext>
+            </a:extLst>
+          </p:cNvPr>
+          <p:cNvPicPr>
+            <a:picLocks noChangeAspect="1"/>
+          </p:cNvPicPr>
+          <p:nvPr/>
+        </p:nvPicPr>
+        <p:blipFill>
+          <a:blip r:embed="rId3"/>
+          <a:stretch>
+            <a:fillRect/>
+          </a:stretch>
+        </p:blipFill>
+        <p:spPr>
+          <a:xfrm>
+            <a:off x="312673" y="4198380"/>
+            <a:ext cx="3384342" cy="2316441"/>
+          </a:xfrm>
+          <a:prstGeom prst="rect">
+            <a:avLst/>
+          </a:prstGeom>
+        </p:spPr>
+      </p:pic>
+      <p:pic>
+        <p:nvPicPr>
+          <p:cNvPr id="9" name="Picture 8">
+            <a:extLst>
+              <a:ext uri="{FF2B5EF4-FFF2-40B4-BE49-F238E27FC236}">
+                <a16:creationId xmlns:a16="http://schemas.microsoft.com/office/drawing/2014/main" id="{B52D823E-0E57-6692-BBB2-851BCD1CF02C}"/>
+              </a:ext>
+            </a:extLst>
+          </p:cNvPr>
+          <p:cNvPicPr>
+            <a:picLocks noChangeAspect="1"/>
+          </p:cNvPicPr>
+          <p:nvPr/>
+        </p:nvPicPr>
+        <p:blipFill>
+          <a:blip r:embed="rId4"/>
+          <a:stretch>
+            <a:fillRect/>
+          </a:stretch>
+        </p:blipFill>
+        <p:spPr>
+          <a:xfrm>
+            <a:off x="3877937" y="2460243"/>
+            <a:ext cx="5030508" cy="3408268"/>
+          </a:xfrm>
+          <a:prstGeom prst="rect">
+            <a:avLst/>
+          </a:prstGeom>
+        </p:spPr>
+      </p:pic>
+    </p:spTree>
+    <p:extLst>
+      <p:ext uri="{BB962C8B-B14F-4D97-AF65-F5344CB8AC3E}">
+        <p14:creationId xmlns:p14="http://schemas.microsoft.com/office/powerpoint/2010/main" val="166905667"/>
+      </p:ext>
+    </p:extLst>
+  </p:cSld>
+  <p:clrMapOvr>
+    <a:masterClrMapping/>
+  </p:clrMapOvr>
+</p:sld>
+</file>
+
+<file path=ppt/slides/slide11.xml><?xml version="1.0" encoding="utf-8"?>
+<p:sld xmlns:a="http://schemas.openxmlformats.org/drawingml/2006/main" xmlns:r="http://schemas.openxmlformats.org/officeDocument/2006/relationships" xmlns:p="http://schemas.openxmlformats.org/presentationml/2006/main">
+  <p:cSld>
+    <p:spTree>
+      <p:nvGrpSpPr>
+        <p:cNvPr id="1" name=""/>
+        <p:cNvGrpSpPr/>
+        <p:nvPr/>
+      </p:nvGrpSpPr>
+      <p:grpSpPr>
+        <a:xfrm>
+          <a:off x="0" y="0"/>
+          <a:ext cx="0" cy="0"/>
+          <a:chOff x="0" y="0"/>
+          <a:chExt cx="0" cy="0"/>
+        </a:xfrm>
+      </p:grpSpPr>
+      <p:sp>
+        <p:nvSpPr>
+          <p:cNvPr id="2" name="Title 1">
+            <a:extLst>
+              <a:ext uri="{FF2B5EF4-FFF2-40B4-BE49-F238E27FC236}">
                 <a16:creationId xmlns:a16="http://schemas.microsoft.com/office/drawing/2014/main" id="{F2CF371B-8DC2-4D45-8F0B-DD73E387B50D}"/>
               </a:ext>
             </a:extLst>
@@ -7779,10 +8007,10 @@
           <a:lstStyle/>
           <a:p>
             <a:r>
-              <a:rPr lang="en-US" sz="2400" dirty="0"/>
-              <a:t>Spending : Regional Spending Growth</a:t>
-            </a:r>
-            <a:endParaRPr lang="en-US" sz="2000" dirty="0"/>
+              <a:rPr lang="en-US" sz="2800" dirty="0"/>
+              <a:t>Who Drinks in the Target Country?</a:t>
+            </a:r>
+            <a:endParaRPr lang="en-US" sz="2400" dirty="0"/>
           </a:p>
         </p:txBody>
       </p:sp>
@@ -7833,209 +8061,10 @@
       </p:cxnSp>
       <p:sp>
         <p:nvSpPr>
-          <p:cNvPr id="7" name="Content Placeholder 2">
-            <a:extLst>
-              <a:ext uri="{FF2B5EF4-FFF2-40B4-BE49-F238E27FC236}">
-                <a16:creationId xmlns:a16="http://schemas.microsoft.com/office/drawing/2014/main" id="{60485BC1-9513-42A5-AF72-3344E0BA19A2}"/>
-              </a:ext>
-            </a:extLst>
-          </p:cNvPr>
-          <p:cNvSpPr txBox="1">
-            <a:spLocks/>
-          </p:cNvSpPr>
-          <p:nvPr/>
-        </p:nvSpPr>
-        <p:spPr>
-          <a:xfrm>
-            <a:off x="872982" y="1080761"/>
-            <a:ext cx="7875890" cy="333762"/>
-          </a:xfrm>
-          <a:prstGeom prst="rect">
-            <a:avLst/>
-          </a:prstGeom>
-        </p:spPr>
-        <p:txBody>
-          <a:bodyPr vert="horz" lIns="68580" tIns="34290" rIns="68580" bIns="34290" rtlCol="0">
-            <a:normAutofit/>
-          </a:bodyPr>
-          <a:lstStyle>
-            <a:lvl1pPr marL="228600" indent="-228600" algn="l" defTabSz="914400" rtl="0" eaLnBrk="1" latinLnBrk="0" hangingPunct="1">
-              <a:lnSpc>
-                <a:spcPct val="90000"/>
-              </a:lnSpc>
-              <a:spcBef>
-                <a:spcPts val="1000"/>
-              </a:spcBef>
-              <a:buFont typeface="Arial" panose="020B0604020202020204" pitchFamily="34" charset="0"/>
-              <a:buChar char="•"/>
-              <a:defRPr sz="2800" kern="1200">
-                <a:solidFill>
-                  <a:schemeClr val="tx1"/>
-                </a:solidFill>
-                <a:latin typeface="+mn-lt"/>
-                <a:ea typeface="+mn-ea"/>
-                <a:cs typeface="+mn-cs"/>
-              </a:defRPr>
-            </a:lvl1pPr>
-            <a:lvl2pPr marL="685800" indent="-228600" algn="l" defTabSz="914400" rtl="0" eaLnBrk="1" latinLnBrk="0" hangingPunct="1">
-              <a:lnSpc>
-                <a:spcPct val="90000"/>
-              </a:lnSpc>
-              <a:spcBef>
-                <a:spcPts val="500"/>
-              </a:spcBef>
-              <a:buFont typeface="Arial" panose="020B0604020202020204" pitchFamily="34" charset="0"/>
-              <a:buChar char="•"/>
-              <a:defRPr sz="2400" kern="1200">
-                <a:solidFill>
-                  <a:schemeClr val="tx1"/>
-                </a:solidFill>
-                <a:latin typeface="+mn-lt"/>
-                <a:ea typeface="+mn-ea"/>
-                <a:cs typeface="+mn-cs"/>
-              </a:defRPr>
-            </a:lvl2pPr>
-            <a:lvl3pPr marL="1143000" indent="-228600" algn="l" defTabSz="914400" rtl="0" eaLnBrk="1" latinLnBrk="0" hangingPunct="1">
-              <a:lnSpc>
-                <a:spcPct val="90000"/>
-              </a:lnSpc>
-              <a:spcBef>
-                <a:spcPts val="500"/>
-              </a:spcBef>
-              <a:buFont typeface="Arial" panose="020B0604020202020204" pitchFamily="34" charset="0"/>
-              <a:buChar char="•"/>
-              <a:defRPr sz="2000" kern="1200">
-                <a:solidFill>
-                  <a:schemeClr val="tx1"/>
-                </a:solidFill>
-                <a:latin typeface="+mn-lt"/>
-                <a:ea typeface="+mn-ea"/>
-                <a:cs typeface="+mn-cs"/>
-              </a:defRPr>
-            </a:lvl3pPr>
-            <a:lvl4pPr marL="1600200" indent="-228600" algn="l" defTabSz="914400" rtl="0" eaLnBrk="1" latinLnBrk="0" hangingPunct="1">
-              <a:lnSpc>
-                <a:spcPct val="90000"/>
-              </a:lnSpc>
-              <a:spcBef>
-                <a:spcPts val="500"/>
-              </a:spcBef>
-              <a:buFont typeface="Arial" panose="020B0604020202020204" pitchFamily="34" charset="0"/>
-              <a:buChar char="•"/>
-              <a:defRPr sz="1800" kern="1200">
-                <a:solidFill>
-                  <a:schemeClr val="tx1"/>
-                </a:solidFill>
-                <a:latin typeface="+mn-lt"/>
-                <a:ea typeface="+mn-ea"/>
-                <a:cs typeface="+mn-cs"/>
-              </a:defRPr>
-            </a:lvl4pPr>
-            <a:lvl5pPr marL="2057400" indent="-228600" algn="l" defTabSz="914400" rtl="0" eaLnBrk="1" latinLnBrk="0" hangingPunct="1">
-              <a:lnSpc>
-                <a:spcPct val="90000"/>
-              </a:lnSpc>
-              <a:spcBef>
-                <a:spcPts val="500"/>
-              </a:spcBef>
-              <a:buFont typeface="Arial" panose="020B0604020202020204" pitchFamily="34" charset="0"/>
-              <a:buChar char="•"/>
-              <a:defRPr sz="1800" kern="1200">
-                <a:solidFill>
-                  <a:schemeClr val="tx1"/>
-                </a:solidFill>
-                <a:latin typeface="+mn-lt"/>
-                <a:ea typeface="+mn-ea"/>
-                <a:cs typeface="+mn-cs"/>
-              </a:defRPr>
-            </a:lvl5pPr>
-            <a:lvl6pPr marL="2514600" indent="-228600" algn="l" defTabSz="914400" rtl="0" eaLnBrk="1" latinLnBrk="0" hangingPunct="1">
-              <a:lnSpc>
-                <a:spcPct val="90000"/>
-              </a:lnSpc>
-              <a:spcBef>
-                <a:spcPts val="500"/>
-              </a:spcBef>
-              <a:buFont typeface="Arial" panose="020B0604020202020204" pitchFamily="34" charset="0"/>
-              <a:buChar char="•"/>
-              <a:defRPr sz="1800" kern="1200">
-                <a:solidFill>
-                  <a:schemeClr val="tx1"/>
-                </a:solidFill>
-                <a:latin typeface="+mn-lt"/>
-                <a:ea typeface="+mn-ea"/>
-                <a:cs typeface="+mn-cs"/>
-              </a:defRPr>
-            </a:lvl6pPr>
-            <a:lvl7pPr marL="2971800" indent="-228600" algn="l" defTabSz="914400" rtl="0" eaLnBrk="1" latinLnBrk="0" hangingPunct="1">
-              <a:lnSpc>
-                <a:spcPct val="90000"/>
-              </a:lnSpc>
-              <a:spcBef>
-                <a:spcPts val="500"/>
-              </a:spcBef>
-              <a:buFont typeface="Arial" panose="020B0604020202020204" pitchFamily="34" charset="0"/>
-              <a:buChar char="•"/>
-              <a:defRPr sz="1800" kern="1200">
-                <a:solidFill>
-                  <a:schemeClr val="tx1"/>
-                </a:solidFill>
-                <a:latin typeface="+mn-lt"/>
-                <a:ea typeface="+mn-ea"/>
-                <a:cs typeface="+mn-cs"/>
-              </a:defRPr>
-            </a:lvl7pPr>
-            <a:lvl8pPr marL="3429000" indent="-228600" algn="l" defTabSz="914400" rtl="0" eaLnBrk="1" latinLnBrk="0" hangingPunct="1">
-              <a:lnSpc>
-                <a:spcPct val="90000"/>
-              </a:lnSpc>
-              <a:spcBef>
-                <a:spcPts val="500"/>
-              </a:spcBef>
-              <a:buFont typeface="Arial" panose="020B0604020202020204" pitchFamily="34" charset="0"/>
-              <a:buChar char="•"/>
-              <a:defRPr sz="1800" kern="1200">
-                <a:solidFill>
-                  <a:schemeClr val="tx1"/>
-                </a:solidFill>
-                <a:latin typeface="+mn-lt"/>
-                <a:ea typeface="+mn-ea"/>
-                <a:cs typeface="+mn-cs"/>
-              </a:defRPr>
-            </a:lvl8pPr>
-            <a:lvl9pPr marL="3886200" indent="-228600" algn="l" defTabSz="914400" rtl="0" eaLnBrk="1" latinLnBrk="0" hangingPunct="1">
-              <a:lnSpc>
-                <a:spcPct val="90000"/>
-              </a:lnSpc>
-              <a:spcBef>
-                <a:spcPts val="500"/>
-              </a:spcBef>
-              <a:buFont typeface="Arial" panose="020B0604020202020204" pitchFamily="34" charset="0"/>
-              <a:buChar char="•"/>
-              <a:defRPr sz="1800" kern="1200">
-                <a:solidFill>
-                  <a:schemeClr val="tx1"/>
-                </a:solidFill>
-                <a:latin typeface="+mn-lt"/>
-                <a:ea typeface="+mn-ea"/>
-                <a:cs typeface="+mn-cs"/>
-              </a:defRPr>
-            </a:lvl9pPr>
-          </a:lstStyle>
-          <a:p>
-            <a:pPr marL="0" indent="0">
-              <a:buNone/>
-            </a:pPr>
-            <a:endParaRPr lang="en-US" sz="1600" i="1" dirty="0"/>
-          </a:p>
-        </p:txBody>
-      </p:sp>
-      <p:sp>
-        <p:nvSpPr>
           <p:cNvPr id="3" name="Rectangle 2">
             <a:extLst>
               <a:ext uri="{FF2B5EF4-FFF2-40B4-BE49-F238E27FC236}">
-                <a16:creationId xmlns:a16="http://schemas.microsoft.com/office/drawing/2014/main" id="{D94F6BC6-6192-0AE9-A8F9-3A766E4EC900}"/>
+                <a16:creationId xmlns:a16="http://schemas.microsoft.com/office/drawing/2014/main" id="{49BB2627-FE2F-B019-DB6C-A7DE08FB4139}"/>
               </a:ext>
             </a:extLst>
           </p:cNvPr>
@@ -8082,10 +8111,10 @@
       </p:sp>
       <p:pic>
         <p:nvPicPr>
-          <p:cNvPr id="8" name="Content Placeholder 7" descr="A screenshot of a graph&#10;&#10;Description automatically generated">
+          <p:cNvPr id="11" name="Content Placeholder 10" descr="A graph with orange and blue bars&#10;&#10;Description automatically generated">
             <a:extLst>
               <a:ext uri="{FF2B5EF4-FFF2-40B4-BE49-F238E27FC236}">
-                <a16:creationId xmlns:a16="http://schemas.microsoft.com/office/drawing/2014/main" id="{D1141470-6EC0-4A38-66F1-59702EC78BE4}"/>
+                <a16:creationId xmlns:a16="http://schemas.microsoft.com/office/drawing/2014/main" id="{1F7C3139-D34D-64BE-4375-D7DDE00CA2C9}"/>
               </a:ext>
             </a:extLst>
           </p:cNvPr>
@@ -8097,7 +8126,7 @@
           </p:nvPr>
         </p:nvPicPr>
         <p:blipFill>
-          <a:blip r:embed="rId3">
+          <a:blip r:embed="rId2">
             <a:extLst>
               <a:ext uri="{28A0092B-C50C-407E-A947-70E740481C1C}">
                 <a14:useLocalDpi xmlns:a14="http://schemas.microsoft.com/office/drawing/2010/main" val="0"/>
@@ -8108,19 +8137,77 @@
             <a:fillRect/>
           </a:stretch>
         </p:blipFill>
-        <p:spPr>
+        <p:spPr bwMode="auto">
           <a:xfrm>
-            <a:off x="-678873" y="656021"/>
-            <a:ext cx="10070240" cy="6042144"/>
+            <a:off x="628650" y="1208859"/>
+            <a:ext cx="7898472" cy="3753099"/>
           </a:xfrm>
+          <a:prstGeom prst="rect">
+            <a:avLst/>
+          </a:prstGeom>
+          <a:noFill/>
+          <a:extLst>
+            <a:ext uri="{909E8E84-426E-40DD-AFC4-6F175D3DCCD1}">
+              <a14:hiddenFill xmlns:a14="http://schemas.microsoft.com/office/drawing/2010/main">
+                <a:solidFill>
+                  <a:srgbClr val="FFFFFF"/>
+                </a:solidFill>
+              </a14:hiddenFill>
+            </a:ext>
+          </a:extLst>
         </p:spPr>
       </p:pic>
       <p:sp>
         <p:nvSpPr>
-          <p:cNvPr id="16" name="Content Placeholder 3">
+          <p:cNvPr id="8" name="AutoShape 4">
             <a:extLst>
               <a:ext uri="{FF2B5EF4-FFF2-40B4-BE49-F238E27FC236}">
-                <a16:creationId xmlns:a16="http://schemas.microsoft.com/office/drawing/2014/main" id="{6569369F-C892-6D79-ABD1-379A01DA9AAD}"/>
+                <a16:creationId xmlns:a16="http://schemas.microsoft.com/office/drawing/2014/main" id="{A1CA2883-2176-1AAB-74F8-744A88FE9599}"/>
+              </a:ext>
+            </a:extLst>
+          </p:cNvPr>
+          <p:cNvSpPr>
+            <a:spLocks noChangeAspect="1" noChangeArrowheads="1"/>
+          </p:cNvSpPr>
+          <p:nvPr/>
+        </p:nvSpPr>
+        <p:spPr bwMode="auto">
+          <a:xfrm>
+            <a:off x="4419600" y="3276600"/>
+            <a:ext cx="304800" cy="304800"/>
+          </a:xfrm>
+          <a:prstGeom prst="rect">
+            <a:avLst/>
+          </a:prstGeom>
+          <a:noFill/>
+          <a:extLst>
+            <a:ext uri="{909E8E84-426E-40DD-AFC4-6F175D3DCCD1}">
+              <a14:hiddenFill xmlns:a14="http://schemas.microsoft.com/office/drawing/2010/main">
+                <a:solidFill>
+                  <a:srgbClr val="FFFFFF"/>
+                </a:solidFill>
+              </a14:hiddenFill>
+            </a:ext>
+          </a:extLst>
+        </p:spPr>
+        <p:txBody>
+          <a:bodyPr vert="horz" wrap="square" lIns="91440" tIns="45720" rIns="91440" bIns="45720" numCol="1" anchor="t" anchorCtr="0" compatLnSpc="1">
+            <a:prstTxWarp prst="textNoShape">
+              <a:avLst/>
+            </a:prstTxWarp>
+          </a:bodyPr>
+          <a:lstStyle/>
+          <a:p>
+            <a:endParaRPr lang="en-US"/>
+          </a:p>
+        </p:txBody>
+      </p:sp>
+      <p:sp>
+        <p:nvSpPr>
+          <p:cNvPr id="14" name="Content Placeholder 3">
+            <a:extLst>
+              <a:ext uri="{FF2B5EF4-FFF2-40B4-BE49-F238E27FC236}">
+                <a16:creationId xmlns:a16="http://schemas.microsoft.com/office/drawing/2014/main" id="{865E5194-6A76-110B-2572-0B13840081EF}"/>
               </a:ext>
             </a:extLst>
           </p:cNvPr>
@@ -8131,8 +8218,8 @@
         </p:nvSpPr>
         <p:spPr>
           <a:xfrm>
-            <a:off x="4955564" y="2387942"/>
-            <a:ext cx="3458572" cy="2607740"/>
+            <a:off x="628650" y="5499847"/>
+            <a:ext cx="7547162" cy="1198318"/>
           </a:xfrm>
           <a:prstGeom prst="rect">
             <a:avLst/>
@@ -8140,7 +8227,7 @@
         </p:spPr>
         <p:txBody>
           <a:bodyPr vert="horz" lIns="91440" tIns="45720" rIns="91440" bIns="45720" rtlCol="0">
-            <a:normAutofit fontScale="92500" lnSpcReduction="20000"/>
+            <a:normAutofit/>
           </a:bodyPr>
           <a:lstStyle>
             <a:lvl1pPr marL="342906" indent="-342906" algn="l" defTabSz="457207" rtl="0" eaLnBrk="1" latinLnBrk="0" hangingPunct="1">
@@ -8370,66 +8457,25 @@
             </a:lvl9pPr>
           </a:lstStyle>
           <a:p>
-            <a:r>
-              <a:rPr lang="en-US" sz="1400" b="1" dirty="0"/>
-              <a:t>Estonia </a:t>
+            <a:pPr marL="457207" lvl="1" indent="0">
+              <a:buNone/>
+            </a:pPr>
+            <a:r>
+              <a:rPr lang="en-US" dirty="0"/>
+              <a:t>On average, every weekend, Canadian, Australian, and Estonian men drink a fifth…. </a:t>
+            </a:r>
+          </a:p>
+          <a:p>
+            <a:pPr marL="457207" lvl="1" indent="0">
+              <a:buNone/>
+            </a:pPr>
+            <a:r>
+              <a:rPr lang="en-US" sz="600" dirty="0"/>
+              <a:t>Not a </a:t>
             </a:r>
             <a:r>
               <a:rPr lang="en-US" sz="1400" dirty="0"/>
-              <a:t>exciting price growth (developing)</a:t>
-            </a:r>
-          </a:p>
-          <a:p>
-            <a:pPr lvl="1"/>
-            <a:r>
-              <a:rPr lang="en-US" sz="1200" dirty="0"/>
-              <a:t>Cultural demand (Russian influence)</a:t>
-            </a:r>
-          </a:p>
-          <a:p>
-            <a:pPr lvl="1"/>
-            <a:r>
-              <a:rPr lang="en-US" sz="1200" dirty="0"/>
-              <a:t>Small Population</a:t>
-            </a:r>
-          </a:p>
-          <a:p>
-            <a:pPr lvl="1"/>
-            <a:r>
-              <a:rPr lang="en-US" sz="1200" dirty="0"/>
-              <a:t>Median price </a:t>
-            </a:r>
-          </a:p>
-          <a:p>
-            <a:r>
-              <a:rPr lang="en-US" sz="1400" b="1" dirty="0"/>
-              <a:t>Australia </a:t>
-            </a:r>
-            <a:r>
-              <a:rPr lang="en-US" sz="1400" dirty="0"/>
-              <a:t>and </a:t>
-            </a:r>
-            <a:r>
-              <a:rPr lang="en-US" sz="1400" b="1" dirty="0"/>
-              <a:t>Canada highest growth in price </a:t>
-            </a:r>
-            <a:r>
-              <a:rPr lang="en-US" sz="1400" dirty="0"/>
-              <a:t>outside of the European market</a:t>
-            </a:r>
-          </a:p>
-          <a:p>
-            <a:pPr lvl="1"/>
-            <a:endParaRPr lang="en-US" sz="1200" dirty="0"/>
-          </a:p>
-          <a:p>
-            <a:r>
-              <a:rPr lang="en-US" sz="1400" b="1" dirty="0"/>
-              <a:t>Limitations- Africa, Asia, Middle East </a:t>
-            </a:r>
-            <a:r>
-              <a:rPr lang="en-US" sz="1400" dirty="0"/>
-              <a:t>underrepresented in OECD Data</a:t>
+              <a:t>FACT: Average Texas Tech student drinks this before breakfast.</a:t>
             </a:r>
           </a:p>
         </p:txBody>
@@ -8437,7 +8483,7 @@
     </p:spTree>
     <p:extLst>
       <p:ext uri="{BB962C8B-B14F-4D97-AF65-F5344CB8AC3E}">
-        <p14:creationId xmlns:p14="http://schemas.microsoft.com/office/powerpoint/2010/main" val="2736054603"/>
+        <p14:creationId xmlns:p14="http://schemas.microsoft.com/office/powerpoint/2010/main" val="3806980184"/>
       </p:ext>
     </p:extLst>
   </p:cSld>
@@ -8447,7 +8493,365 @@
 </p:sld>
 </file>
 
-<file path=ppt/slides/slide11.xml><?xml version="1.0" encoding="utf-8"?>
+<file path=ppt/slides/slide12.xml><?xml version="1.0" encoding="utf-8"?>
+<p:sld xmlns:a="http://schemas.openxmlformats.org/drawingml/2006/main" xmlns:r="http://schemas.openxmlformats.org/officeDocument/2006/relationships" xmlns:p="http://schemas.openxmlformats.org/presentationml/2006/main">
+  <p:cSld>
+    <p:spTree>
+      <p:nvGrpSpPr>
+        <p:cNvPr id="1" name=""/>
+        <p:cNvGrpSpPr/>
+        <p:nvPr/>
+      </p:nvGrpSpPr>
+      <p:grpSpPr>
+        <a:xfrm>
+          <a:off x="0" y="0"/>
+          <a:ext cx="0" cy="0"/>
+          <a:chOff x="0" y="0"/>
+          <a:chExt cx="0" cy="0"/>
+        </a:xfrm>
+      </p:grpSpPr>
+      <p:sp>
+        <p:nvSpPr>
+          <p:cNvPr id="2" name="Title 1">
+            <a:extLst>
+              <a:ext uri="{FF2B5EF4-FFF2-40B4-BE49-F238E27FC236}">
+                <a16:creationId xmlns:a16="http://schemas.microsoft.com/office/drawing/2014/main" id="{C60C0585-6AD7-08A9-E331-C08D227CC24E}"/>
+              </a:ext>
+            </a:extLst>
+          </p:cNvPr>
+          <p:cNvSpPr>
+            <a:spLocks noGrp="1"/>
+          </p:cNvSpPr>
+          <p:nvPr>
+            <p:ph type="title"/>
+          </p:nvPr>
+        </p:nvSpPr>
+        <p:spPr/>
+        <p:txBody>
+          <a:bodyPr/>
+          <a:lstStyle/>
+          <a:p>
+            <a:r>
+              <a:rPr lang="en-US" dirty="0"/>
+              <a:t>Target Countries: Drinking Age Consumers</a:t>
+            </a:r>
+          </a:p>
+        </p:txBody>
+      </p:sp>
+      <p:pic>
+        <p:nvPicPr>
+          <p:cNvPr id="5" name="Content Placeholder 4" descr="A graph with text on it&#10;&#10;Description automatically generated">
+            <a:extLst>
+              <a:ext uri="{FF2B5EF4-FFF2-40B4-BE49-F238E27FC236}">
+                <a16:creationId xmlns:a16="http://schemas.microsoft.com/office/drawing/2014/main" id="{DACD43F0-C09F-FC60-6A27-42C80BE9D588}"/>
+              </a:ext>
+            </a:extLst>
+          </p:cNvPr>
+          <p:cNvPicPr>
+            <a:picLocks noGrp="1" noChangeAspect="1"/>
+          </p:cNvPicPr>
+          <p:nvPr>
+            <p:ph idx="1"/>
+          </p:nvPr>
+        </p:nvPicPr>
+        <p:blipFill>
+          <a:blip r:embed="rId2">
+            <a:extLst>
+              <a:ext uri="{28A0092B-C50C-407E-A947-70E740481C1C}">
+                <a14:useLocalDpi xmlns:a14="http://schemas.microsoft.com/office/drawing/2010/main" val="0"/>
+              </a:ext>
+            </a:extLst>
+          </a:blip>
+          <a:stretch>
+            <a:fillRect/>
+          </a:stretch>
+        </p:blipFill>
+        <p:spPr>
+          <a:xfrm>
+            <a:off x="360589" y="2015062"/>
+            <a:ext cx="8035989" cy="3578914"/>
+          </a:xfrm>
+        </p:spPr>
+      </p:pic>
+      <p:sp>
+        <p:nvSpPr>
+          <p:cNvPr id="6" name="Content Placeholder 3">
+            <a:extLst>
+              <a:ext uri="{FF2B5EF4-FFF2-40B4-BE49-F238E27FC236}">
+                <a16:creationId xmlns:a16="http://schemas.microsoft.com/office/drawing/2014/main" id="{65F8A567-CF97-47F7-BA9D-E087AECA0E67}"/>
+              </a:ext>
+            </a:extLst>
+          </p:cNvPr>
+          <p:cNvSpPr txBox="1">
+            <a:spLocks/>
+          </p:cNvSpPr>
+          <p:nvPr/>
+        </p:nvSpPr>
+        <p:spPr>
+          <a:xfrm>
+            <a:off x="638978" y="5673687"/>
+            <a:ext cx="7536834" cy="1024478"/>
+          </a:xfrm>
+          <a:prstGeom prst="rect">
+            <a:avLst/>
+          </a:prstGeom>
+        </p:spPr>
+        <p:txBody>
+          <a:bodyPr vert="horz" lIns="91440" tIns="45720" rIns="91440" bIns="45720" rtlCol="0">
+            <a:normAutofit/>
+          </a:bodyPr>
+          <a:lstStyle>
+            <a:lvl1pPr marL="342906" indent="-342906" algn="l" defTabSz="457207" rtl="0" eaLnBrk="1" latinLnBrk="0" hangingPunct="1">
+              <a:spcBef>
+                <a:spcPts val="1000"/>
+              </a:spcBef>
+              <a:spcAft>
+                <a:spcPts val="0"/>
+              </a:spcAft>
+              <a:buClr>
+                <a:schemeClr val="bg2">
+                  <a:lumMod val="40000"/>
+                  <a:lumOff val="60000"/>
+                </a:schemeClr>
+              </a:buClr>
+              <a:buSzPct val="80000"/>
+              <a:buFont typeface="Wingdings 3" charset="2"/>
+              <a:buChar char=""/>
+              <a:defRPr sz="2000" b="0" i="0" kern="1200">
+                <a:solidFill>
+                  <a:schemeClr val="tx1"/>
+                </a:solidFill>
+                <a:latin typeface="+mj-lt"/>
+                <a:ea typeface="+mj-ea"/>
+                <a:cs typeface="+mj-cs"/>
+              </a:defRPr>
+            </a:lvl1pPr>
+            <a:lvl2pPr marL="742962" indent="-285755" algn="l" defTabSz="457207" rtl="0" eaLnBrk="1" latinLnBrk="0" hangingPunct="1">
+              <a:spcBef>
+                <a:spcPts val="1000"/>
+              </a:spcBef>
+              <a:spcAft>
+                <a:spcPts val="0"/>
+              </a:spcAft>
+              <a:buClr>
+                <a:schemeClr val="bg2">
+                  <a:lumMod val="40000"/>
+                  <a:lumOff val="60000"/>
+                </a:schemeClr>
+              </a:buClr>
+              <a:buSzPct val="80000"/>
+              <a:buFont typeface="Wingdings 3" charset="2"/>
+              <a:buChar char=""/>
+              <a:defRPr sz="1800" b="0" i="0" kern="1200">
+                <a:solidFill>
+                  <a:schemeClr val="tx1"/>
+                </a:solidFill>
+                <a:latin typeface="+mj-lt"/>
+                <a:ea typeface="+mj-ea"/>
+                <a:cs typeface="+mj-cs"/>
+              </a:defRPr>
+            </a:lvl2pPr>
+            <a:lvl3pPr marL="1143020" indent="-228604" algn="l" defTabSz="457207" rtl="0" eaLnBrk="1" latinLnBrk="0" hangingPunct="1">
+              <a:spcBef>
+                <a:spcPts val="1000"/>
+              </a:spcBef>
+              <a:spcAft>
+                <a:spcPts val="0"/>
+              </a:spcAft>
+              <a:buClr>
+                <a:schemeClr val="bg2">
+                  <a:lumMod val="40000"/>
+                  <a:lumOff val="60000"/>
+                </a:schemeClr>
+              </a:buClr>
+              <a:buSzPct val="80000"/>
+              <a:buFont typeface="Wingdings 3" charset="2"/>
+              <a:buChar char=""/>
+              <a:defRPr sz="1600" b="0" i="0" kern="1200">
+                <a:solidFill>
+                  <a:schemeClr val="tx1"/>
+                </a:solidFill>
+                <a:latin typeface="+mj-lt"/>
+                <a:ea typeface="+mj-ea"/>
+                <a:cs typeface="+mj-cs"/>
+              </a:defRPr>
+            </a:lvl3pPr>
+            <a:lvl4pPr marL="1600227" indent="-228604" algn="l" defTabSz="457207" rtl="0" eaLnBrk="1" latinLnBrk="0" hangingPunct="1">
+              <a:spcBef>
+                <a:spcPts val="1000"/>
+              </a:spcBef>
+              <a:spcAft>
+                <a:spcPts val="0"/>
+              </a:spcAft>
+              <a:buClr>
+                <a:schemeClr val="bg2">
+                  <a:lumMod val="40000"/>
+                  <a:lumOff val="60000"/>
+                </a:schemeClr>
+              </a:buClr>
+              <a:buSzPct val="80000"/>
+              <a:buFont typeface="Wingdings 3" charset="2"/>
+              <a:buChar char=""/>
+              <a:defRPr sz="1400" b="0" i="0" kern="1200">
+                <a:solidFill>
+                  <a:schemeClr val="tx1"/>
+                </a:solidFill>
+                <a:latin typeface="+mj-lt"/>
+                <a:ea typeface="+mj-ea"/>
+                <a:cs typeface="+mj-cs"/>
+              </a:defRPr>
+            </a:lvl4pPr>
+            <a:lvl5pPr marL="2057434" indent="-228604" algn="l" defTabSz="457207" rtl="0" eaLnBrk="1" latinLnBrk="0" hangingPunct="1">
+              <a:spcBef>
+                <a:spcPts val="1000"/>
+              </a:spcBef>
+              <a:spcAft>
+                <a:spcPts val="0"/>
+              </a:spcAft>
+              <a:buClr>
+                <a:schemeClr val="bg2">
+                  <a:lumMod val="40000"/>
+                  <a:lumOff val="60000"/>
+                </a:schemeClr>
+              </a:buClr>
+              <a:buSzPct val="80000"/>
+              <a:buFont typeface="Wingdings 3" charset="2"/>
+              <a:buChar char=""/>
+              <a:defRPr sz="1400" b="0" i="0" kern="1200">
+                <a:solidFill>
+                  <a:schemeClr val="tx1"/>
+                </a:solidFill>
+                <a:latin typeface="+mj-lt"/>
+                <a:ea typeface="+mj-ea"/>
+                <a:cs typeface="+mj-cs"/>
+              </a:defRPr>
+            </a:lvl5pPr>
+            <a:lvl6pPr marL="2514642" indent="-228604" algn="l" defTabSz="457207" rtl="0" eaLnBrk="1" latinLnBrk="0" hangingPunct="1">
+              <a:spcBef>
+                <a:spcPts val="1000"/>
+              </a:spcBef>
+              <a:spcAft>
+                <a:spcPts val="0"/>
+              </a:spcAft>
+              <a:buClr>
+                <a:schemeClr val="bg2">
+                  <a:lumMod val="40000"/>
+                  <a:lumOff val="60000"/>
+                </a:schemeClr>
+              </a:buClr>
+              <a:buSzPct val="80000"/>
+              <a:buFont typeface="Wingdings 3" charset="2"/>
+              <a:buChar char=""/>
+              <a:defRPr sz="1400" b="0" i="0" kern="1200">
+                <a:solidFill>
+                  <a:schemeClr val="tx1"/>
+                </a:solidFill>
+                <a:latin typeface="+mj-lt"/>
+                <a:ea typeface="+mj-ea"/>
+                <a:cs typeface="+mj-cs"/>
+              </a:defRPr>
+            </a:lvl6pPr>
+            <a:lvl7pPr marL="2971849" indent="-228604" algn="l" defTabSz="457207" rtl="0" eaLnBrk="1" latinLnBrk="0" hangingPunct="1">
+              <a:spcBef>
+                <a:spcPts val="1000"/>
+              </a:spcBef>
+              <a:spcAft>
+                <a:spcPts val="0"/>
+              </a:spcAft>
+              <a:buClr>
+                <a:schemeClr val="bg2">
+                  <a:lumMod val="40000"/>
+                  <a:lumOff val="60000"/>
+                </a:schemeClr>
+              </a:buClr>
+              <a:buSzPct val="80000"/>
+              <a:buFont typeface="Wingdings 3" charset="2"/>
+              <a:buChar char=""/>
+              <a:defRPr sz="1400" b="0" i="0" kern="1200">
+                <a:solidFill>
+                  <a:schemeClr val="tx1"/>
+                </a:solidFill>
+                <a:latin typeface="+mj-lt"/>
+                <a:ea typeface="+mj-ea"/>
+                <a:cs typeface="+mj-cs"/>
+              </a:defRPr>
+            </a:lvl7pPr>
+            <a:lvl8pPr marL="3429057" indent="-228604" algn="l" defTabSz="457207" rtl="0" eaLnBrk="1" latinLnBrk="0" hangingPunct="1">
+              <a:spcBef>
+                <a:spcPts val="1000"/>
+              </a:spcBef>
+              <a:spcAft>
+                <a:spcPts val="0"/>
+              </a:spcAft>
+              <a:buClr>
+                <a:schemeClr val="bg2">
+                  <a:lumMod val="40000"/>
+                  <a:lumOff val="60000"/>
+                </a:schemeClr>
+              </a:buClr>
+              <a:buSzPct val="80000"/>
+              <a:buFont typeface="Wingdings 3" charset="2"/>
+              <a:buChar char=""/>
+              <a:defRPr sz="1400" b="0" i="0" kern="1200">
+                <a:solidFill>
+                  <a:schemeClr val="tx1"/>
+                </a:solidFill>
+                <a:latin typeface="+mj-lt"/>
+                <a:ea typeface="+mj-ea"/>
+                <a:cs typeface="+mj-cs"/>
+              </a:defRPr>
+            </a:lvl8pPr>
+            <a:lvl9pPr marL="3886264" indent="-228604" algn="l" defTabSz="457207" rtl="0" eaLnBrk="1" latinLnBrk="0" hangingPunct="1">
+              <a:spcBef>
+                <a:spcPts val="1000"/>
+              </a:spcBef>
+              <a:spcAft>
+                <a:spcPts val="0"/>
+              </a:spcAft>
+              <a:buClr>
+                <a:schemeClr val="bg2">
+                  <a:lumMod val="40000"/>
+                  <a:lumOff val="60000"/>
+                </a:schemeClr>
+              </a:buClr>
+              <a:buSzPct val="80000"/>
+              <a:buFont typeface="Wingdings 3" charset="2"/>
+              <a:buChar char=""/>
+              <a:defRPr sz="1400" b="0" i="0" kern="1200">
+                <a:solidFill>
+                  <a:schemeClr val="tx1"/>
+                </a:solidFill>
+                <a:latin typeface="+mj-lt"/>
+                <a:ea typeface="+mj-ea"/>
+                <a:cs typeface="+mj-cs"/>
+              </a:defRPr>
+            </a:lvl9pPr>
+          </a:lstStyle>
+          <a:p>
+            <a:pPr marL="457207" lvl="1" indent="0">
+              <a:buNone/>
+            </a:pPr>
+            <a:r>
+              <a:rPr lang="en-US" sz="1400" dirty="0"/>
+              <a:t>NOTE: Women make up a higher percentage of the total population in all age ranges.  Women skew older. </a:t>
+            </a:r>
+          </a:p>
+        </p:txBody>
+      </p:sp>
+    </p:spTree>
+    <p:extLst>
+      <p:ext uri="{BB962C8B-B14F-4D97-AF65-F5344CB8AC3E}">
+        <p14:creationId xmlns:p14="http://schemas.microsoft.com/office/powerpoint/2010/main" val="4283909009"/>
+      </p:ext>
+    </p:extLst>
+  </p:cSld>
+  <p:clrMapOvr>
+    <a:masterClrMapping/>
+  </p:clrMapOvr>
+</p:sld>
+</file>
+
+<file path=ppt/slides/slide13.xml><?xml version="1.0" encoding="utf-8"?>
 <p:sld xmlns:a="http://schemas.openxmlformats.org/drawingml/2006/main" xmlns:r="http://schemas.openxmlformats.org/officeDocument/2006/relationships" xmlns:p="http://schemas.openxmlformats.org/presentationml/2006/main">
   <p:cSld>
     <p:spTree>
@@ -8846,7 +9250,7 @@
 </p:sld>
 </file>
 
-<file path=ppt/slides/slide12.xml><?xml version="1.0" encoding="utf-8"?>
+<file path=ppt/slides/slide14.xml><?xml version="1.0" encoding="utf-8"?>
 <p:sld xmlns:a="http://schemas.openxmlformats.org/drawingml/2006/main" xmlns:r="http://schemas.openxmlformats.org/officeDocument/2006/relationships" xmlns:p="http://schemas.openxmlformats.org/presentationml/2006/main">
   <p:cSld>
     <p:spTree>
@@ -8868,177 +9272,6 @@
           <p:cNvPr id="2" name="Title 1">
             <a:extLst>
               <a:ext uri="{FF2B5EF4-FFF2-40B4-BE49-F238E27FC236}">
-                <a16:creationId xmlns:a16="http://schemas.microsoft.com/office/drawing/2014/main" id="{E777AA79-AA61-29AE-CAC4-645C58A27227}"/>
-              </a:ext>
-            </a:extLst>
-          </p:cNvPr>
-          <p:cNvSpPr>
-            <a:spLocks noGrp="1"/>
-          </p:cNvSpPr>
-          <p:nvPr>
-            <p:ph type="title"/>
-          </p:nvPr>
-        </p:nvSpPr>
-        <p:spPr/>
-        <p:txBody>
-          <a:bodyPr/>
-          <a:lstStyle/>
-          <a:p>
-            <a:r>
-              <a:rPr lang="en-US" sz="3600" dirty="0"/>
-              <a:t>Target Pricing- Linear Forecast</a:t>
-            </a:r>
-          </a:p>
-        </p:txBody>
-      </p:sp>
-      <p:pic>
-        <p:nvPicPr>
-          <p:cNvPr id="6" name="Content Placeholder 5" descr="A graph with lines and numbers on it&#10;&#10;Description automatically generated">
-            <a:extLst>
-              <a:ext uri="{FF2B5EF4-FFF2-40B4-BE49-F238E27FC236}">
-                <a16:creationId xmlns:a16="http://schemas.microsoft.com/office/drawing/2014/main" id="{14936C2D-0243-7AD8-1325-13984CE4E0BD}"/>
-              </a:ext>
-            </a:extLst>
-          </p:cNvPr>
-          <p:cNvPicPr>
-            <a:picLocks noGrp="1" noChangeAspect="1"/>
-          </p:cNvPicPr>
-          <p:nvPr>
-            <p:ph idx="1"/>
-          </p:nvPr>
-        </p:nvPicPr>
-        <p:blipFill>
-          <a:blip r:embed="rId3">
-            <a:extLst>
-              <a:ext uri="{28A0092B-C50C-407E-A947-70E740481C1C}">
-                <a14:useLocalDpi xmlns:a14="http://schemas.microsoft.com/office/drawing/2010/main" val="0"/>
-              </a:ext>
-            </a:extLst>
-          </a:blip>
-          <a:stretch>
-            <a:fillRect/>
-          </a:stretch>
-        </p:blipFill>
-        <p:spPr>
-          <a:xfrm>
-            <a:off x="-138271" y="975360"/>
-            <a:ext cx="8913937" cy="5742431"/>
-          </a:xfrm>
-        </p:spPr>
-      </p:pic>
-      <p:sp>
-        <p:nvSpPr>
-          <p:cNvPr id="7" name="Rectangle: Rounded Corners 6">
-            <a:extLst>
-              <a:ext uri="{FF2B5EF4-FFF2-40B4-BE49-F238E27FC236}">
-                <a16:creationId xmlns:a16="http://schemas.microsoft.com/office/drawing/2014/main" id="{AD84B63F-0C7F-0B44-E6AB-6578C515341F}"/>
-              </a:ext>
-            </a:extLst>
-          </p:cNvPr>
-          <p:cNvSpPr/>
-          <p:nvPr/>
-        </p:nvSpPr>
-        <p:spPr>
-          <a:xfrm>
-            <a:off x="6120384" y="4677182"/>
-            <a:ext cx="2387547" cy="1400530"/>
-          </a:xfrm>
-          <a:prstGeom prst="roundRect">
-            <a:avLst/>
-          </a:prstGeom>
-        </p:spPr>
-        <p:style>
-          <a:lnRef idx="2">
-            <a:schemeClr val="accent1">
-              <a:shade val="15000"/>
-            </a:schemeClr>
-          </a:lnRef>
-          <a:fillRef idx="1">
-            <a:schemeClr val="accent1"/>
-          </a:fillRef>
-          <a:effectRef idx="0">
-            <a:schemeClr val="accent1"/>
-          </a:effectRef>
-          <a:fontRef idx="minor">
-            <a:schemeClr val="lt1"/>
-          </a:fontRef>
-        </p:style>
-        <p:txBody>
-          <a:bodyPr rtlCol="0" anchor="ctr"/>
-          <a:lstStyle/>
-          <a:p>
-            <a:r>
-              <a:rPr lang="en-US" dirty="0"/>
-              <a:t>With +/-20% range</a:t>
-            </a:r>
-          </a:p>
-          <a:p>
-            <a:r>
-              <a:rPr lang="en-US" b="1" dirty="0"/>
-              <a:t>AUS- </a:t>
-            </a:r>
-            <a:r>
-              <a:rPr lang="en-US" dirty="0"/>
-              <a:t>$17.59-26.23</a:t>
-            </a:r>
-          </a:p>
-          <a:p>
-            <a:r>
-              <a:rPr lang="en-US" b="1" dirty="0"/>
-              <a:t>EST-</a:t>
-            </a:r>
-            <a:r>
-              <a:rPr lang="en-US" dirty="0"/>
-              <a:t> $11.85-17.78</a:t>
-            </a:r>
-          </a:p>
-          <a:p>
-            <a:r>
-              <a:rPr lang="en-US" b="1" dirty="0"/>
-              <a:t>CAN- </a:t>
-            </a:r>
-            <a:r>
-              <a:rPr lang="en-US" dirty="0"/>
-              <a:t>$9.96-14.94</a:t>
-            </a:r>
-          </a:p>
-        </p:txBody>
-      </p:sp>
-    </p:spTree>
-    <p:extLst>
-      <p:ext uri="{BB962C8B-B14F-4D97-AF65-F5344CB8AC3E}">
-        <p14:creationId xmlns:p14="http://schemas.microsoft.com/office/powerpoint/2010/main" val="3185641112"/>
-      </p:ext>
-    </p:extLst>
-  </p:cSld>
-  <p:clrMapOvr>
-    <a:masterClrMapping/>
-  </p:clrMapOvr>
-</p:sld>
-</file>
-
-<file path=ppt/slides/slide13.xml><?xml version="1.0" encoding="utf-8"?>
-<p:sld xmlns:a="http://schemas.openxmlformats.org/drawingml/2006/main" xmlns:r="http://schemas.openxmlformats.org/officeDocument/2006/relationships" xmlns:p="http://schemas.openxmlformats.org/presentationml/2006/main">
-  <p:cSld>
-    <p:spTree>
-      <p:nvGrpSpPr>
-        <p:cNvPr id="1" name=""/>
-        <p:cNvGrpSpPr/>
-        <p:nvPr/>
-      </p:nvGrpSpPr>
-      <p:grpSpPr>
-        <a:xfrm>
-          <a:off x="0" y="0"/>
-          <a:ext cx="0" cy="0"/>
-          <a:chOff x="0" y="0"/>
-          <a:chExt cx="0" cy="0"/>
-        </a:xfrm>
-      </p:grpSpPr>
-      <p:sp>
-        <p:nvSpPr>
-          <p:cNvPr id="2" name="Title 1">
-            <a:extLst>
-              <a:ext uri="{FF2B5EF4-FFF2-40B4-BE49-F238E27FC236}">
                 <a16:creationId xmlns:a16="http://schemas.microsoft.com/office/drawing/2014/main" id="{F2CF371B-8DC2-4D45-8F0B-DD73E387B50D}"/>
               </a:ext>
             </a:extLst>
@@ -9063,10 +9296,10 @@
           <a:lstStyle/>
           <a:p>
             <a:r>
-              <a:rPr lang="en-US" sz="2800" dirty="0"/>
-              <a:t>Recap: Recommended Targets</a:t>
-            </a:r>
-            <a:endParaRPr lang="en-US" sz="2400" dirty="0"/>
+              <a:rPr lang="en-US" sz="2400" dirty="0"/>
+              <a:t>Consumption : Regional Trends</a:t>
+            </a:r>
+            <a:endParaRPr lang="en-US" sz="2000" dirty="0"/>
           </a:p>
         </p:txBody>
       </p:sp>
@@ -9131,6 +9364,573 @@
         </p:nvSpPr>
         <p:spPr>
           <a:xfrm>
+            <a:off x="872982" y="1080761"/>
+            <a:ext cx="7875890" cy="333762"/>
+          </a:xfrm>
+          <a:prstGeom prst="rect">
+            <a:avLst/>
+          </a:prstGeom>
+        </p:spPr>
+        <p:txBody>
+          <a:bodyPr vert="horz" lIns="68580" tIns="34290" rIns="68580" bIns="34290" rtlCol="0">
+            <a:normAutofit/>
+          </a:bodyPr>
+          <a:lstStyle>
+            <a:lvl1pPr marL="228600" indent="-228600" algn="l" defTabSz="914400" rtl="0" eaLnBrk="1" latinLnBrk="0" hangingPunct="1">
+              <a:lnSpc>
+                <a:spcPct val="90000"/>
+              </a:lnSpc>
+              <a:spcBef>
+                <a:spcPts val="1000"/>
+              </a:spcBef>
+              <a:buFont typeface="Arial" panose="020B0604020202020204" pitchFamily="34" charset="0"/>
+              <a:buChar char="•"/>
+              <a:defRPr sz="2800" kern="1200">
+                <a:solidFill>
+                  <a:schemeClr val="tx1"/>
+                </a:solidFill>
+                <a:latin typeface="+mn-lt"/>
+                <a:ea typeface="+mn-ea"/>
+                <a:cs typeface="+mn-cs"/>
+              </a:defRPr>
+            </a:lvl1pPr>
+            <a:lvl2pPr marL="685800" indent="-228600" algn="l" defTabSz="914400" rtl="0" eaLnBrk="1" latinLnBrk="0" hangingPunct="1">
+              <a:lnSpc>
+                <a:spcPct val="90000"/>
+              </a:lnSpc>
+              <a:spcBef>
+                <a:spcPts val="500"/>
+              </a:spcBef>
+              <a:buFont typeface="Arial" panose="020B0604020202020204" pitchFamily="34" charset="0"/>
+              <a:buChar char="•"/>
+              <a:defRPr sz="2400" kern="1200">
+                <a:solidFill>
+                  <a:schemeClr val="tx1"/>
+                </a:solidFill>
+                <a:latin typeface="+mn-lt"/>
+                <a:ea typeface="+mn-ea"/>
+                <a:cs typeface="+mn-cs"/>
+              </a:defRPr>
+            </a:lvl2pPr>
+            <a:lvl3pPr marL="1143000" indent="-228600" algn="l" defTabSz="914400" rtl="0" eaLnBrk="1" latinLnBrk="0" hangingPunct="1">
+              <a:lnSpc>
+                <a:spcPct val="90000"/>
+              </a:lnSpc>
+              <a:spcBef>
+                <a:spcPts val="500"/>
+              </a:spcBef>
+              <a:buFont typeface="Arial" panose="020B0604020202020204" pitchFamily="34" charset="0"/>
+              <a:buChar char="•"/>
+              <a:defRPr sz="2000" kern="1200">
+                <a:solidFill>
+                  <a:schemeClr val="tx1"/>
+                </a:solidFill>
+                <a:latin typeface="+mn-lt"/>
+                <a:ea typeface="+mn-ea"/>
+                <a:cs typeface="+mn-cs"/>
+              </a:defRPr>
+            </a:lvl3pPr>
+            <a:lvl4pPr marL="1600200" indent="-228600" algn="l" defTabSz="914400" rtl="0" eaLnBrk="1" latinLnBrk="0" hangingPunct="1">
+              <a:lnSpc>
+                <a:spcPct val="90000"/>
+              </a:lnSpc>
+              <a:spcBef>
+                <a:spcPts val="500"/>
+              </a:spcBef>
+              <a:buFont typeface="Arial" panose="020B0604020202020204" pitchFamily="34" charset="0"/>
+              <a:buChar char="•"/>
+              <a:defRPr sz="1800" kern="1200">
+                <a:solidFill>
+                  <a:schemeClr val="tx1"/>
+                </a:solidFill>
+                <a:latin typeface="+mn-lt"/>
+                <a:ea typeface="+mn-ea"/>
+                <a:cs typeface="+mn-cs"/>
+              </a:defRPr>
+            </a:lvl4pPr>
+            <a:lvl5pPr marL="2057400" indent="-228600" algn="l" defTabSz="914400" rtl="0" eaLnBrk="1" latinLnBrk="0" hangingPunct="1">
+              <a:lnSpc>
+                <a:spcPct val="90000"/>
+              </a:lnSpc>
+              <a:spcBef>
+                <a:spcPts val="500"/>
+              </a:spcBef>
+              <a:buFont typeface="Arial" panose="020B0604020202020204" pitchFamily="34" charset="0"/>
+              <a:buChar char="•"/>
+              <a:defRPr sz="1800" kern="1200">
+                <a:solidFill>
+                  <a:schemeClr val="tx1"/>
+                </a:solidFill>
+                <a:latin typeface="+mn-lt"/>
+                <a:ea typeface="+mn-ea"/>
+                <a:cs typeface="+mn-cs"/>
+              </a:defRPr>
+            </a:lvl5pPr>
+            <a:lvl6pPr marL="2514600" indent="-228600" algn="l" defTabSz="914400" rtl="0" eaLnBrk="1" latinLnBrk="0" hangingPunct="1">
+              <a:lnSpc>
+                <a:spcPct val="90000"/>
+              </a:lnSpc>
+              <a:spcBef>
+                <a:spcPts val="500"/>
+              </a:spcBef>
+              <a:buFont typeface="Arial" panose="020B0604020202020204" pitchFamily="34" charset="0"/>
+              <a:buChar char="•"/>
+              <a:defRPr sz="1800" kern="1200">
+                <a:solidFill>
+                  <a:schemeClr val="tx1"/>
+                </a:solidFill>
+                <a:latin typeface="+mn-lt"/>
+                <a:ea typeface="+mn-ea"/>
+                <a:cs typeface="+mn-cs"/>
+              </a:defRPr>
+            </a:lvl6pPr>
+            <a:lvl7pPr marL="2971800" indent="-228600" algn="l" defTabSz="914400" rtl="0" eaLnBrk="1" latinLnBrk="0" hangingPunct="1">
+              <a:lnSpc>
+                <a:spcPct val="90000"/>
+              </a:lnSpc>
+              <a:spcBef>
+                <a:spcPts val="500"/>
+              </a:spcBef>
+              <a:buFont typeface="Arial" panose="020B0604020202020204" pitchFamily="34" charset="0"/>
+              <a:buChar char="•"/>
+              <a:defRPr sz="1800" kern="1200">
+                <a:solidFill>
+                  <a:schemeClr val="tx1"/>
+                </a:solidFill>
+                <a:latin typeface="+mn-lt"/>
+                <a:ea typeface="+mn-ea"/>
+                <a:cs typeface="+mn-cs"/>
+              </a:defRPr>
+            </a:lvl7pPr>
+            <a:lvl8pPr marL="3429000" indent="-228600" algn="l" defTabSz="914400" rtl="0" eaLnBrk="1" latinLnBrk="0" hangingPunct="1">
+              <a:lnSpc>
+                <a:spcPct val="90000"/>
+              </a:lnSpc>
+              <a:spcBef>
+                <a:spcPts val="500"/>
+              </a:spcBef>
+              <a:buFont typeface="Arial" panose="020B0604020202020204" pitchFamily="34" charset="0"/>
+              <a:buChar char="•"/>
+              <a:defRPr sz="1800" kern="1200">
+                <a:solidFill>
+                  <a:schemeClr val="tx1"/>
+                </a:solidFill>
+                <a:latin typeface="+mn-lt"/>
+                <a:ea typeface="+mn-ea"/>
+                <a:cs typeface="+mn-cs"/>
+              </a:defRPr>
+            </a:lvl8pPr>
+            <a:lvl9pPr marL="3886200" indent="-228600" algn="l" defTabSz="914400" rtl="0" eaLnBrk="1" latinLnBrk="0" hangingPunct="1">
+              <a:lnSpc>
+                <a:spcPct val="90000"/>
+              </a:lnSpc>
+              <a:spcBef>
+                <a:spcPts val="500"/>
+              </a:spcBef>
+              <a:buFont typeface="Arial" panose="020B0604020202020204" pitchFamily="34" charset="0"/>
+              <a:buChar char="•"/>
+              <a:defRPr sz="1800" kern="1200">
+                <a:solidFill>
+                  <a:schemeClr val="tx1"/>
+                </a:solidFill>
+                <a:latin typeface="+mn-lt"/>
+                <a:ea typeface="+mn-ea"/>
+                <a:cs typeface="+mn-cs"/>
+              </a:defRPr>
+            </a:lvl9pPr>
+          </a:lstStyle>
+          <a:p>
+            <a:pPr marL="0" indent="0">
+              <a:buNone/>
+            </a:pPr>
+            <a:endParaRPr lang="en-US" sz="1600" i="1" dirty="0"/>
+          </a:p>
+        </p:txBody>
+      </p:sp>
+      <p:sp>
+        <p:nvSpPr>
+          <p:cNvPr id="3" name="Rectangle 2">
+            <a:extLst>
+              <a:ext uri="{FF2B5EF4-FFF2-40B4-BE49-F238E27FC236}">
+                <a16:creationId xmlns:a16="http://schemas.microsoft.com/office/drawing/2014/main" id="{D94F6BC6-6192-0AE9-A8F9-3A766E4EC900}"/>
+              </a:ext>
+            </a:extLst>
+          </p:cNvPr>
+          <p:cNvSpPr/>
+          <p:nvPr/>
+        </p:nvSpPr>
+        <p:spPr>
+          <a:xfrm>
+            <a:off x="6684850" y="159835"/>
+            <a:ext cx="1675460" cy="1446550"/>
+          </a:xfrm>
+          <a:prstGeom prst="rect">
+            <a:avLst/>
+          </a:prstGeom>
+          <a:noFill/>
+        </p:spPr>
+        <p:txBody>
+          <a:bodyPr wrap="none" lIns="91440" tIns="45720" rIns="91440" bIns="45720">
+            <a:spAutoFit/>
+            <a:scene3d>
+              <a:camera prst="orthographicFront"/>
+              <a:lightRig rig="soft" dir="t">
+                <a:rot lat="0" lon="0" rev="15600000"/>
+              </a:lightRig>
+            </a:scene3d>
+            <a:sp3d extrusionH="57150" prstMaterial="softEdge">
+              <a:bevelT w="25400" h="38100"/>
+            </a:sp3d>
+          </a:bodyPr>
+          <a:lstStyle/>
+          <a:p>
+            <a:pPr algn="ctr"/>
+            <a:r>
+              <a:rPr lang="en-US" sz="8800" b="1" dirty="0">
+                <a:ln/>
+                <a:solidFill>
+                  <a:schemeClr val="accent4"/>
+                </a:solidFill>
+              </a:rPr>
+              <a:t>***</a:t>
+            </a:r>
+          </a:p>
+        </p:txBody>
+      </p:sp>
+      <p:pic>
+        <p:nvPicPr>
+          <p:cNvPr id="6" name="Picture 5" descr="A graph of different colors and numbers&#10;&#10;Description automatically generated">
+            <a:extLst>
+              <a:ext uri="{FF2B5EF4-FFF2-40B4-BE49-F238E27FC236}">
+                <a16:creationId xmlns:a16="http://schemas.microsoft.com/office/drawing/2014/main" id="{69A7548D-1EA4-03A8-F3AA-84C4E2E6F5B7}"/>
+              </a:ext>
+            </a:extLst>
+          </p:cNvPr>
+          <p:cNvPicPr>
+            <a:picLocks noChangeAspect="1"/>
+          </p:cNvPicPr>
+          <p:nvPr/>
+        </p:nvPicPr>
+        <p:blipFill>
+          <a:blip r:embed="rId3">
+            <a:extLst>
+              <a:ext uri="{28A0092B-C50C-407E-A947-70E740481C1C}">
+                <a14:useLocalDpi xmlns:a14="http://schemas.microsoft.com/office/drawing/2010/main" val="0"/>
+              </a:ext>
+            </a:extLst>
+          </a:blip>
+          <a:stretch>
+            <a:fillRect/>
+          </a:stretch>
+        </p:blipFill>
+        <p:spPr>
+          <a:xfrm>
+            <a:off x="0" y="722499"/>
+            <a:ext cx="9144000" cy="5975666"/>
+          </a:xfrm>
+          <a:prstGeom prst="rect">
+            <a:avLst/>
+          </a:prstGeom>
+        </p:spPr>
+      </p:pic>
+    </p:spTree>
+    <p:extLst>
+      <p:ext uri="{BB962C8B-B14F-4D97-AF65-F5344CB8AC3E}">
+        <p14:creationId xmlns:p14="http://schemas.microsoft.com/office/powerpoint/2010/main" val="3619308738"/>
+      </p:ext>
+    </p:extLst>
+  </p:cSld>
+  <p:clrMapOvr>
+    <a:masterClrMapping/>
+  </p:clrMapOvr>
+</p:sld>
+</file>
+
+<file path=ppt/slides/slide15.xml><?xml version="1.0" encoding="utf-8"?>
+<p:sld xmlns:a="http://schemas.openxmlformats.org/drawingml/2006/main" xmlns:r="http://schemas.openxmlformats.org/officeDocument/2006/relationships" xmlns:p="http://schemas.openxmlformats.org/presentationml/2006/main">
+  <p:cSld>
+    <p:spTree>
+      <p:nvGrpSpPr>
+        <p:cNvPr id="1" name=""/>
+        <p:cNvGrpSpPr/>
+        <p:nvPr/>
+      </p:nvGrpSpPr>
+      <p:grpSpPr>
+        <a:xfrm>
+          <a:off x="0" y="0"/>
+          <a:ext cx="0" cy="0"/>
+          <a:chOff x="0" y="0"/>
+          <a:chExt cx="0" cy="0"/>
+        </a:xfrm>
+      </p:grpSpPr>
+      <p:sp>
+        <p:nvSpPr>
+          <p:cNvPr id="2" name="Title 1">
+            <a:extLst>
+              <a:ext uri="{FF2B5EF4-FFF2-40B4-BE49-F238E27FC236}">
+                <a16:creationId xmlns:a16="http://schemas.microsoft.com/office/drawing/2014/main" id="{E777AA79-AA61-29AE-CAC4-645C58A27227}"/>
+              </a:ext>
+            </a:extLst>
+          </p:cNvPr>
+          <p:cNvSpPr>
+            <a:spLocks noGrp="1"/>
+          </p:cNvSpPr>
+          <p:nvPr>
+            <p:ph type="title"/>
+          </p:nvPr>
+        </p:nvSpPr>
+        <p:spPr/>
+        <p:txBody>
+          <a:bodyPr/>
+          <a:lstStyle/>
+          <a:p>
+            <a:r>
+              <a:rPr lang="en-US" sz="3600" dirty="0"/>
+              <a:t>Target Pricing- Linear Forecast</a:t>
+            </a:r>
+          </a:p>
+        </p:txBody>
+      </p:sp>
+      <p:pic>
+        <p:nvPicPr>
+          <p:cNvPr id="6" name="Content Placeholder 5" descr="A graph with lines and numbers on it&#10;&#10;Description automatically generated">
+            <a:extLst>
+              <a:ext uri="{FF2B5EF4-FFF2-40B4-BE49-F238E27FC236}">
+                <a16:creationId xmlns:a16="http://schemas.microsoft.com/office/drawing/2014/main" id="{14936C2D-0243-7AD8-1325-13984CE4E0BD}"/>
+              </a:ext>
+            </a:extLst>
+          </p:cNvPr>
+          <p:cNvPicPr>
+            <a:picLocks noGrp="1" noChangeAspect="1"/>
+          </p:cNvPicPr>
+          <p:nvPr>
+            <p:ph idx="1"/>
+          </p:nvPr>
+        </p:nvPicPr>
+        <p:blipFill>
+          <a:blip r:embed="rId3">
+            <a:extLst>
+              <a:ext uri="{28A0092B-C50C-407E-A947-70E740481C1C}">
+                <a14:useLocalDpi xmlns:a14="http://schemas.microsoft.com/office/drawing/2010/main" val="0"/>
+              </a:ext>
+            </a:extLst>
+          </a:blip>
+          <a:stretch>
+            <a:fillRect/>
+          </a:stretch>
+        </p:blipFill>
+        <p:spPr>
+          <a:xfrm>
+            <a:off x="-138271" y="975360"/>
+            <a:ext cx="8913937" cy="5742431"/>
+          </a:xfrm>
+        </p:spPr>
+      </p:pic>
+      <p:sp>
+        <p:nvSpPr>
+          <p:cNvPr id="7" name="Rectangle: Rounded Corners 6">
+            <a:extLst>
+              <a:ext uri="{FF2B5EF4-FFF2-40B4-BE49-F238E27FC236}">
+                <a16:creationId xmlns:a16="http://schemas.microsoft.com/office/drawing/2014/main" id="{AD84B63F-0C7F-0B44-E6AB-6578C515341F}"/>
+              </a:ext>
+            </a:extLst>
+          </p:cNvPr>
+          <p:cNvSpPr/>
+          <p:nvPr/>
+        </p:nvSpPr>
+        <p:spPr>
+          <a:xfrm>
+            <a:off x="6120384" y="4677182"/>
+            <a:ext cx="2387547" cy="1400530"/>
+          </a:xfrm>
+          <a:prstGeom prst="roundRect">
+            <a:avLst/>
+          </a:prstGeom>
+        </p:spPr>
+        <p:style>
+          <a:lnRef idx="2">
+            <a:schemeClr val="accent1">
+              <a:shade val="15000"/>
+            </a:schemeClr>
+          </a:lnRef>
+          <a:fillRef idx="1">
+            <a:schemeClr val="accent1"/>
+          </a:fillRef>
+          <a:effectRef idx="0">
+            <a:schemeClr val="accent1"/>
+          </a:effectRef>
+          <a:fontRef idx="minor">
+            <a:schemeClr val="lt1"/>
+          </a:fontRef>
+        </p:style>
+        <p:txBody>
+          <a:bodyPr rtlCol="0" anchor="ctr"/>
+          <a:lstStyle/>
+          <a:p>
+            <a:r>
+              <a:rPr lang="en-US" dirty="0"/>
+              <a:t>With +/-20% range</a:t>
+            </a:r>
+          </a:p>
+          <a:p>
+            <a:r>
+              <a:rPr lang="en-US" b="1" dirty="0"/>
+              <a:t>AUS- </a:t>
+            </a:r>
+            <a:r>
+              <a:rPr lang="en-US" dirty="0"/>
+              <a:t>$17.59-26.23</a:t>
+            </a:r>
+          </a:p>
+          <a:p>
+            <a:r>
+              <a:rPr lang="en-US" b="1" dirty="0"/>
+              <a:t>EST-</a:t>
+            </a:r>
+            <a:r>
+              <a:rPr lang="en-US" dirty="0"/>
+              <a:t> $11.85-17.78</a:t>
+            </a:r>
+          </a:p>
+          <a:p>
+            <a:r>
+              <a:rPr lang="en-US" b="1" dirty="0"/>
+              <a:t>CAN- </a:t>
+            </a:r>
+            <a:r>
+              <a:rPr lang="en-US" dirty="0"/>
+              <a:t>$9.96-14.94</a:t>
+            </a:r>
+          </a:p>
+        </p:txBody>
+      </p:sp>
+    </p:spTree>
+    <p:extLst>
+      <p:ext uri="{BB962C8B-B14F-4D97-AF65-F5344CB8AC3E}">
+        <p14:creationId xmlns:p14="http://schemas.microsoft.com/office/powerpoint/2010/main" val="3185641112"/>
+      </p:ext>
+    </p:extLst>
+  </p:cSld>
+  <p:clrMapOvr>
+    <a:masterClrMapping/>
+  </p:clrMapOvr>
+</p:sld>
+</file>
+
+<file path=ppt/slides/slide16.xml><?xml version="1.0" encoding="utf-8"?>
+<p:sld xmlns:a="http://schemas.openxmlformats.org/drawingml/2006/main" xmlns:r="http://schemas.openxmlformats.org/officeDocument/2006/relationships" xmlns:p="http://schemas.openxmlformats.org/presentationml/2006/main">
+  <p:cSld>
+    <p:spTree>
+      <p:nvGrpSpPr>
+        <p:cNvPr id="1" name=""/>
+        <p:cNvGrpSpPr/>
+        <p:nvPr/>
+      </p:nvGrpSpPr>
+      <p:grpSpPr>
+        <a:xfrm>
+          <a:off x="0" y="0"/>
+          <a:ext cx="0" cy="0"/>
+          <a:chOff x="0" y="0"/>
+          <a:chExt cx="0" cy="0"/>
+        </a:xfrm>
+      </p:grpSpPr>
+      <p:sp>
+        <p:nvSpPr>
+          <p:cNvPr id="2" name="Title 1">
+            <a:extLst>
+              <a:ext uri="{FF2B5EF4-FFF2-40B4-BE49-F238E27FC236}">
+                <a16:creationId xmlns:a16="http://schemas.microsoft.com/office/drawing/2014/main" id="{F2CF371B-8DC2-4D45-8F0B-DD73E387B50D}"/>
+              </a:ext>
+            </a:extLst>
+          </p:cNvPr>
+          <p:cNvSpPr>
+            <a:spLocks noGrp="1"/>
+          </p:cNvSpPr>
+          <p:nvPr>
+            <p:ph type="title"/>
+          </p:nvPr>
+        </p:nvSpPr>
+        <p:spPr>
+          <a:xfrm>
+            <a:off x="628650" y="383356"/>
+            <a:ext cx="7886700" cy="678287"/>
+          </a:xfrm>
+        </p:spPr>
+        <p:txBody>
+          <a:bodyPr>
+            <a:normAutofit/>
+          </a:bodyPr>
+          <a:lstStyle/>
+          <a:p>
+            <a:r>
+              <a:rPr lang="en-US" sz="2800" dirty="0"/>
+              <a:t>Recap: Recommended Targets</a:t>
+            </a:r>
+            <a:endParaRPr lang="en-US" sz="2400" dirty="0"/>
+          </a:p>
+        </p:txBody>
+      </p:sp>
+      <p:cxnSp>
+        <p:nvCxnSpPr>
+          <p:cNvPr id="9" name="Straight Connector 8">
+            <a:extLst>
+              <a:ext uri="{FF2B5EF4-FFF2-40B4-BE49-F238E27FC236}">
+                <a16:creationId xmlns:a16="http://schemas.microsoft.com/office/drawing/2014/main" id="{8F26BB9A-3782-4FFC-A29F-1A72AC2E802A}"/>
+              </a:ext>
+            </a:extLst>
+          </p:cNvPr>
+          <p:cNvCxnSpPr>
+            <a:cxnSpLocks/>
+          </p:cNvCxnSpPr>
+          <p:nvPr/>
+        </p:nvCxnSpPr>
+        <p:spPr>
+          <a:xfrm flipH="1">
+            <a:off x="628650" y="956736"/>
+            <a:ext cx="7886700" cy="0"/>
+          </a:xfrm>
+          <a:prstGeom prst="line">
+            <a:avLst/>
+          </a:prstGeom>
+          <a:ln w="76200">
+            <a:solidFill>
+              <a:schemeClr val="accent1">
+                <a:lumMod val="50000"/>
+              </a:schemeClr>
+            </a:solidFill>
+          </a:ln>
+        </p:spPr>
+        <p:style>
+          <a:lnRef idx="1">
+            <a:schemeClr val="accent1"/>
+          </a:lnRef>
+          <a:fillRef idx="0">
+            <a:schemeClr val="accent1"/>
+          </a:fillRef>
+          <a:effectRef idx="0">
+            <a:schemeClr val="accent1"/>
+          </a:effectRef>
+          <a:fontRef idx="minor">
+            <a:schemeClr val="tx1"/>
+          </a:fontRef>
+        </p:style>
+      </p:cxnSp>
+      <p:sp>
+        <p:nvSpPr>
+          <p:cNvPr id="7" name="Content Placeholder 2">
+            <a:extLst>
+              <a:ext uri="{FF2B5EF4-FFF2-40B4-BE49-F238E27FC236}">
+                <a16:creationId xmlns:a16="http://schemas.microsoft.com/office/drawing/2014/main" id="{60485BC1-9513-42A5-AF72-3344E0BA19A2}"/>
+              </a:ext>
+            </a:extLst>
+          </p:cNvPr>
+          <p:cNvSpPr txBox="1">
+            <a:spLocks/>
+          </p:cNvSpPr>
+          <p:nvPr/>
+        </p:nvSpPr>
+        <p:spPr>
+          <a:xfrm>
             <a:off x="511628" y="1118283"/>
             <a:ext cx="7875890" cy="333762"/>
           </a:xfrm>
@@ -9379,7 +10179,7 @@
           <p:nvPr/>
         </p:nvPicPr>
         <p:blipFill>
-          <a:blip r:embed="rId2">
+          <a:blip r:embed="rId3">
             <a:extLst>
               <a:ext uri="{28A0092B-C50C-407E-A947-70E740481C1C}">
                 <a14:useLocalDpi xmlns:a14="http://schemas.microsoft.com/office/drawing/2010/main" val="0"/>
@@ -9426,13 +10226,13 @@
           <p:nvPr/>
         </p:nvPicPr>
         <p:blipFill>
-          <a:blip r:embed="rId3">
+          <a:blip r:embed="rId4">
             <a:extLst>
               <a:ext uri="{28A0092B-C50C-407E-A947-70E740481C1C}">
                 <a14:useLocalDpi xmlns:a14="http://schemas.microsoft.com/office/drawing/2010/main" val="0"/>
               </a:ext>
               <a:ext uri="{96DAC541-7B7A-43D3-8B79-37D633B846F1}">
-                <asvg:svgBlip xmlns:asvg="http://schemas.microsoft.com/office/drawing/2016/SVG/main" r:embed="rId4"/>
+                <asvg:svgBlip xmlns:asvg="http://schemas.microsoft.com/office/drawing/2016/SVG/main" r:embed="rId5"/>
               </a:ext>
             </a:extLst>
           </a:blip>
@@ -9465,13 +10265,13 @@
           <p:nvPr/>
         </p:nvPicPr>
         <p:blipFill>
-          <a:blip r:embed="rId5">
+          <a:blip r:embed="rId6">
             <a:extLst>
               <a:ext uri="{28A0092B-C50C-407E-A947-70E740481C1C}">
                 <a14:useLocalDpi xmlns:a14="http://schemas.microsoft.com/office/drawing/2010/main" val="0"/>
               </a:ext>
               <a:ext uri="{96DAC541-7B7A-43D3-8B79-37D633B846F1}">
-                <asvg:svgBlip xmlns:asvg="http://schemas.microsoft.com/office/drawing/2016/SVG/main" r:embed="rId6"/>
+                <asvg:svgBlip xmlns:asvg="http://schemas.microsoft.com/office/drawing/2016/SVG/main" r:embed="rId7"/>
               </a:ext>
             </a:extLst>
           </a:blip>
@@ -9506,7 +10306,7 @@
         <p:spPr>
           <a:xfrm>
             <a:off x="4041980" y="2046136"/>
-            <a:ext cx="3173899" cy="2469272"/>
+            <a:ext cx="3600415" cy="2469272"/>
           </a:xfrm>
           <a:prstGeom prst="rect">
             <a:avLst/>
@@ -9772,6 +10572,13 @@
           </a:p>
           <a:p>
             <a:pPr lvl="1"/>
+            <a:r>
+              <a:rPr lang="en-US" dirty="0"/>
+              <a:t>26% Market potential</a:t>
+            </a:r>
+          </a:p>
+          <a:p>
+            <a:pPr lvl="1"/>
             <a:endParaRPr lang="en-US" dirty="0"/>
           </a:p>
           <a:p>
@@ -9806,7 +10613,7 @@
         <p:spPr>
           <a:xfrm>
             <a:off x="417363" y="1202693"/>
-            <a:ext cx="3106739" cy="2321160"/>
+            <a:ext cx="3469577" cy="2321160"/>
           </a:xfrm>
           <a:prstGeom prst="rect">
             <a:avLst/>
@@ -10072,6 +10879,13 @@
           </a:p>
           <a:p>
             <a:pPr lvl="1"/>
+            <a:r>
+              <a:rPr lang="en-US" dirty="0"/>
+              <a:t>7% Market potential</a:t>
+            </a:r>
+          </a:p>
+          <a:p>
+            <a:pPr lvl="1"/>
             <a:endParaRPr lang="en-US" dirty="0"/>
           </a:p>
           <a:p>
@@ -10097,7 +10911,7 @@
         <p:spPr>
           <a:xfrm>
             <a:off x="1501605" y="4237203"/>
-            <a:ext cx="3106739" cy="2321160"/>
+            <a:ext cx="3490087" cy="2321160"/>
           </a:xfrm>
           <a:prstGeom prst="rect">
             <a:avLst/>
@@ -10105,7 +10919,7 @@
         </p:spPr>
         <p:txBody>
           <a:bodyPr vert="horz" lIns="91440" tIns="45720" rIns="91440" bIns="45720" rtlCol="0">
-            <a:normAutofit/>
+            <a:normAutofit fontScale="92500" lnSpcReduction="10000"/>
           </a:bodyPr>
           <a:lstStyle>
             <a:lvl1pPr marL="342906" indent="-342906" algn="l" defTabSz="457207" rtl="0" eaLnBrk="1" latinLnBrk="0" hangingPunct="1">
@@ -10368,6 +11182,17 @@
               <a:t>Fast Growth</a:t>
             </a:r>
           </a:p>
+          <a:p>
+            <a:pPr lvl="1"/>
+            <a:r>
+              <a:rPr lang="en-US" dirty="0">
+                <a:solidFill>
+                  <a:schemeClr val="bg1"/>
+                </a:solidFill>
+              </a:rPr>
+              <a:t>95% market potential</a:t>
+            </a:r>
+          </a:p>
         </p:txBody>
       </p:sp>
       <p:graphicFrame>
@@ -10385,49 +11210,49 @@
           <p:nvPr>
             <p:extLst>
               <p:ext uri="{D42A27DB-BD31-4B8C-83A1-F6EECF244321}">
-                <p14:modId xmlns:p14="http://schemas.microsoft.com/office/powerpoint/2010/main" val="3987864696"/>
+                <p14:modId xmlns:p14="http://schemas.microsoft.com/office/powerpoint/2010/main" val="550290493"/>
               </p:ext>
             </p:extLst>
           </p:nvPr>
         </p:nvGraphicFramePr>
         <p:xfrm>
-          <a:off x="4289012" y="4672474"/>
-          <a:ext cx="4622800" cy="1666646"/>
+          <a:off x="4669536" y="4779264"/>
+          <a:ext cx="4242276" cy="1559855"/>
         </p:xfrm>
         <a:graphic>
           <a:graphicData uri="http://schemas.openxmlformats.org/drawingml/2006/table">
             <a:tbl>
               <a:tblPr/>
               <a:tblGrid>
-                <a:gridCol w="990124">
+                <a:gridCol w="908622">
                   <a:extLst>
                     <a:ext uri="{9D8B030D-6E8A-4147-A177-3AD203B41FA5}">
                       <a16:colId xmlns:a16="http://schemas.microsoft.com/office/drawing/2014/main" val="3659275211"/>
                     </a:ext>
                   </a:extLst>
                 </a:gridCol>
-                <a:gridCol w="887369">
+                <a:gridCol w="814326">
                   <a:extLst>
                     <a:ext uri="{9D8B030D-6E8A-4147-A177-3AD203B41FA5}">
                       <a16:colId xmlns:a16="http://schemas.microsoft.com/office/drawing/2014/main" val="2906352879"/>
                     </a:ext>
                   </a:extLst>
                 </a:gridCol>
-                <a:gridCol w="865707">
+                <a:gridCol w="794447">
                   <a:extLst>
                     <a:ext uri="{9D8B030D-6E8A-4147-A177-3AD203B41FA5}">
                       <a16:colId xmlns:a16="http://schemas.microsoft.com/office/drawing/2014/main" val="288858519"/>
                     </a:ext>
                   </a:extLst>
                 </a:gridCol>
-                <a:gridCol w="825500">
+                <a:gridCol w="757549">
                   <a:extLst>
                     <a:ext uri="{9D8B030D-6E8A-4147-A177-3AD203B41FA5}">
                       <a16:colId xmlns:a16="http://schemas.microsoft.com/office/drawing/2014/main" val="3653902353"/>
                     </a:ext>
                   </a:extLst>
                 </a:gridCol>
-                <a:gridCol w="1054100">
+                <a:gridCol w="967332">
                   <a:extLst>
                     <a:ext uri="{9D8B030D-6E8A-4147-A177-3AD203B41FA5}">
                       <a16:colId xmlns:a16="http://schemas.microsoft.com/office/drawing/2014/main" val="3444346608"/>
@@ -10435,7 +11260,7 @@
                   </a:extLst>
                 </a:gridCol>
               </a:tblGrid>
-              <a:tr h="641018">
+              <a:tr h="599945">
                 <a:tc>
                   <a:txBody>
                     <a:bodyPr/>
@@ -10612,7 +11437,7 @@
                   </a:ext>
                 </a:extLst>
               </a:tr>
-              <a:tr h="341876">
+              <a:tr h="319970">
                 <a:tc>
                   <a:txBody>
                     <a:bodyPr/>
@@ -10789,7 +11614,7 @@
                   </a:ext>
                 </a:extLst>
               </a:tr>
-              <a:tr h="341876">
+              <a:tr h="319970">
                 <a:tc>
                   <a:txBody>
                     <a:bodyPr/>
@@ -10865,7 +11690,7 @@
                     <a:p>
                       <a:pPr algn="r" fontAlgn="b"/>
                       <a:r>
-                        <a:rPr lang="en-US" sz="1100" b="0" i="0" u="none" strike="noStrike">
+                        <a:rPr lang="en-US" sz="1100" b="0" i="0" u="none" strike="noStrike" dirty="0">
                           <a:solidFill>
                             <a:schemeClr val="tx1"/>
                           </a:solidFill>
@@ -10966,7 +11791,7 @@
                   </a:ext>
                 </a:extLst>
               </a:tr>
-              <a:tr h="341876">
+              <a:tr h="319970">
                 <a:tc>
                   <a:txBody>
                     <a:bodyPr/>
@@ -11160,1043 +11985,6 @@
 </p:sld>
 </file>
 
-<file path=ppt/slides/slide14.xml><?xml version="1.0" encoding="utf-8"?>
-<p:sld xmlns:a="http://schemas.openxmlformats.org/drawingml/2006/main" xmlns:r="http://schemas.openxmlformats.org/officeDocument/2006/relationships" xmlns:p="http://schemas.openxmlformats.org/presentationml/2006/main">
-  <p:cSld>
-    <p:spTree>
-      <p:nvGrpSpPr>
-        <p:cNvPr id="1" name=""/>
-        <p:cNvGrpSpPr/>
-        <p:nvPr/>
-      </p:nvGrpSpPr>
-      <p:grpSpPr>
-        <a:xfrm>
-          <a:off x="0" y="0"/>
-          <a:ext cx="0" cy="0"/>
-          <a:chOff x="0" y="0"/>
-          <a:chExt cx="0" cy="0"/>
-        </a:xfrm>
-      </p:grpSpPr>
-      <p:sp>
-        <p:nvSpPr>
-          <p:cNvPr id="2" name="Title 1">
-            <a:extLst>
-              <a:ext uri="{FF2B5EF4-FFF2-40B4-BE49-F238E27FC236}">
-                <a16:creationId xmlns:a16="http://schemas.microsoft.com/office/drawing/2014/main" id="{B62F58B5-EB4E-2E05-B0E1-155689366077}"/>
-              </a:ext>
-            </a:extLst>
-          </p:cNvPr>
-          <p:cNvSpPr>
-            <a:spLocks noGrp="1"/>
-          </p:cNvSpPr>
-          <p:nvPr>
-            <p:ph type="title"/>
-          </p:nvPr>
-        </p:nvSpPr>
-        <p:spPr/>
-        <p:txBody>
-          <a:bodyPr/>
-          <a:lstStyle/>
-          <a:p>
-            <a:r>
-              <a:rPr lang="en-US" dirty="0"/>
-              <a:t>Who is buying what? </a:t>
-            </a:r>
-          </a:p>
-        </p:txBody>
-      </p:sp>
-      <p:pic>
-        <p:nvPicPr>
-          <p:cNvPr id="5" name="Content Placeholder 4">
-            <a:extLst>
-              <a:ext uri="{FF2B5EF4-FFF2-40B4-BE49-F238E27FC236}">
-                <a16:creationId xmlns:a16="http://schemas.microsoft.com/office/drawing/2014/main" id="{C6561E20-6ED3-6C58-6852-BD269FCB465C}"/>
-              </a:ext>
-            </a:extLst>
-          </p:cNvPr>
-          <p:cNvPicPr>
-            <a:picLocks noGrp="1" noChangeAspect="1"/>
-          </p:cNvPicPr>
-          <p:nvPr>
-            <p:ph idx="1"/>
-          </p:nvPr>
-        </p:nvPicPr>
-        <p:blipFill>
-          <a:blip r:embed="rId2"/>
-          <a:stretch>
-            <a:fillRect/>
-          </a:stretch>
-        </p:blipFill>
-        <p:spPr>
-          <a:xfrm>
-            <a:off x="312673" y="1853249"/>
-            <a:ext cx="3384342" cy="2311128"/>
-          </a:xfrm>
-        </p:spPr>
-      </p:pic>
-      <p:pic>
-        <p:nvPicPr>
-          <p:cNvPr id="7" name="Picture 6">
-            <a:extLst>
-              <a:ext uri="{FF2B5EF4-FFF2-40B4-BE49-F238E27FC236}">
-                <a16:creationId xmlns:a16="http://schemas.microsoft.com/office/drawing/2014/main" id="{713F6A94-DD36-5D27-5A31-63ECCA21993F}"/>
-              </a:ext>
-            </a:extLst>
-          </p:cNvPr>
-          <p:cNvPicPr>
-            <a:picLocks noChangeAspect="1"/>
-          </p:cNvPicPr>
-          <p:nvPr/>
-        </p:nvPicPr>
-        <p:blipFill>
-          <a:blip r:embed="rId3"/>
-          <a:stretch>
-            <a:fillRect/>
-          </a:stretch>
-        </p:blipFill>
-        <p:spPr>
-          <a:xfrm>
-            <a:off x="312673" y="4198380"/>
-            <a:ext cx="3384342" cy="2316441"/>
-          </a:xfrm>
-          <a:prstGeom prst="rect">
-            <a:avLst/>
-          </a:prstGeom>
-        </p:spPr>
-      </p:pic>
-      <p:pic>
-        <p:nvPicPr>
-          <p:cNvPr id="9" name="Picture 8">
-            <a:extLst>
-              <a:ext uri="{FF2B5EF4-FFF2-40B4-BE49-F238E27FC236}">
-                <a16:creationId xmlns:a16="http://schemas.microsoft.com/office/drawing/2014/main" id="{B52D823E-0E57-6692-BBB2-851BCD1CF02C}"/>
-              </a:ext>
-            </a:extLst>
-          </p:cNvPr>
-          <p:cNvPicPr>
-            <a:picLocks noChangeAspect="1"/>
-          </p:cNvPicPr>
-          <p:nvPr/>
-        </p:nvPicPr>
-        <p:blipFill>
-          <a:blip r:embed="rId4"/>
-          <a:stretch>
-            <a:fillRect/>
-          </a:stretch>
-        </p:blipFill>
-        <p:spPr>
-          <a:xfrm>
-            <a:off x="3877937" y="2460243"/>
-            <a:ext cx="5030508" cy="3408268"/>
-          </a:xfrm>
-          <a:prstGeom prst="rect">
-            <a:avLst/>
-          </a:prstGeom>
-        </p:spPr>
-      </p:pic>
-    </p:spTree>
-    <p:extLst>
-      <p:ext uri="{BB962C8B-B14F-4D97-AF65-F5344CB8AC3E}">
-        <p14:creationId xmlns:p14="http://schemas.microsoft.com/office/powerpoint/2010/main" val="166905667"/>
-      </p:ext>
-    </p:extLst>
-  </p:cSld>
-  <p:clrMapOvr>
-    <a:masterClrMapping/>
-  </p:clrMapOvr>
-</p:sld>
-</file>
-
-<file path=ppt/slides/slide15.xml><?xml version="1.0" encoding="utf-8"?>
-<p:sld xmlns:a="http://schemas.openxmlformats.org/drawingml/2006/main" xmlns:r="http://schemas.openxmlformats.org/officeDocument/2006/relationships" xmlns:p="http://schemas.openxmlformats.org/presentationml/2006/main">
-  <p:cSld>
-    <p:spTree>
-      <p:nvGrpSpPr>
-        <p:cNvPr id="1" name=""/>
-        <p:cNvGrpSpPr/>
-        <p:nvPr/>
-      </p:nvGrpSpPr>
-      <p:grpSpPr>
-        <a:xfrm>
-          <a:off x="0" y="0"/>
-          <a:ext cx="0" cy="0"/>
-          <a:chOff x="0" y="0"/>
-          <a:chExt cx="0" cy="0"/>
-        </a:xfrm>
-      </p:grpSpPr>
-      <p:sp>
-        <p:nvSpPr>
-          <p:cNvPr id="2" name="Title 1">
-            <a:extLst>
-              <a:ext uri="{FF2B5EF4-FFF2-40B4-BE49-F238E27FC236}">
-                <a16:creationId xmlns:a16="http://schemas.microsoft.com/office/drawing/2014/main" id="{F2CF371B-8DC2-4D45-8F0B-DD73E387B50D}"/>
-              </a:ext>
-            </a:extLst>
-          </p:cNvPr>
-          <p:cNvSpPr>
-            <a:spLocks noGrp="1"/>
-          </p:cNvSpPr>
-          <p:nvPr>
-            <p:ph type="title"/>
-          </p:nvPr>
-        </p:nvSpPr>
-        <p:spPr>
-          <a:xfrm>
-            <a:off x="628650" y="383356"/>
-            <a:ext cx="7886700" cy="678287"/>
-          </a:xfrm>
-        </p:spPr>
-        <p:txBody>
-          <a:bodyPr>
-            <a:normAutofit/>
-          </a:bodyPr>
-          <a:lstStyle/>
-          <a:p>
-            <a:r>
-              <a:rPr lang="en-US" sz="2800" dirty="0"/>
-              <a:t>Who Drinks in the Target Country?</a:t>
-            </a:r>
-            <a:endParaRPr lang="en-US" sz="2400" dirty="0"/>
-          </a:p>
-        </p:txBody>
-      </p:sp>
-      <p:cxnSp>
-        <p:nvCxnSpPr>
-          <p:cNvPr id="9" name="Straight Connector 8">
-            <a:extLst>
-              <a:ext uri="{FF2B5EF4-FFF2-40B4-BE49-F238E27FC236}">
-                <a16:creationId xmlns:a16="http://schemas.microsoft.com/office/drawing/2014/main" id="{8F26BB9A-3782-4FFC-A29F-1A72AC2E802A}"/>
-              </a:ext>
-            </a:extLst>
-          </p:cNvPr>
-          <p:cNvCxnSpPr>
-            <a:cxnSpLocks/>
-          </p:cNvCxnSpPr>
-          <p:nvPr/>
-        </p:nvCxnSpPr>
-        <p:spPr>
-          <a:xfrm flipH="1">
-            <a:off x="628650" y="956736"/>
-            <a:ext cx="7886700" cy="0"/>
-          </a:xfrm>
-          <a:prstGeom prst="line">
-            <a:avLst/>
-          </a:prstGeom>
-          <a:ln w="76200">
-            <a:solidFill>
-              <a:schemeClr val="accent1">
-                <a:lumMod val="50000"/>
-              </a:schemeClr>
-            </a:solidFill>
-          </a:ln>
-        </p:spPr>
-        <p:style>
-          <a:lnRef idx="1">
-            <a:schemeClr val="accent1"/>
-          </a:lnRef>
-          <a:fillRef idx="0">
-            <a:schemeClr val="accent1"/>
-          </a:fillRef>
-          <a:effectRef idx="0">
-            <a:schemeClr val="accent1"/>
-          </a:effectRef>
-          <a:fontRef idx="minor">
-            <a:schemeClr val="tx1"/>
-          </a:fontRef>
-        </p:style>
-      </p:cxnSp>
-      <p:sp>
-        <p:nvSpPr>
-          <p:cNvPr id="3" name="Rectangle 2">
-            <a:extLst>
-              <a:ext uri="{FF2B5EF4-FFF2-40B4-BE49-F238E27FC236}">
-                <a16:creationId xmlns:a16="http://schemas.microsoft.com/office/drawing/2014/main" id="{49BB2627-FE2F-B019-DB6C-A7DE08FB4139}"/>
-              </a:ext>
-            </a:extLst>
-          </p:cNvPr>
-          <p:cNvSpPr/>
-          <p:nvPr/>
-        </p:nvSpPr>
-        <p:spPr>
-          <a:xfrm>
-            <a:off x="6684850" y="159835"/>
-            <a:ext cx="1675460" cy="1446550"/>
-          </a:xfrm>
-          <a:prstGeom prst="rect">
-            <a:avLst/>
-          </a:prstGeom>
-          <a:noFill/>
-        </p:spPr>
-        <p:txBody>
-          <a:bodyPr wrap="none" lIns="91440" tIns="45720" rIns="91440" bIns="45720">
-            <a:spAutoFit/>
-            <a:scene3d>
-              <a:camera prst="orthographicFront"/>
-              <a:lightRig rig="soft" dir="t">
-                <a:rot lat="0" lon="0" rev="15600000"/>
-              </a:lightRig>
-            </a:scene3d>
-            <a:sp3d extrusionH="57150" prstMaterial="softEdge">
-              <a:bevelT w="25400" h="38100"/>
-            </a:sp3d>
-          </a:bodyPr>
-          <a:lstStyle/>
-          <a:p>
-            <a:pPr algn="ctr"/>
-            <a:r>
-              <a:rPr lang="en-US" sz="8800" b="1" dirty="0">
-                <a:ln/>
-                <a:solidFill>
-                  <a:schemeClr val="accent4"/>
-                </a:solidFill>
-              </a:rPr>
-              <a:t>***</a:t>
-            </a:r>
-          </a:p>
-        </p:txBody>
-      </p:sp>
-      <p:pic>
-        <p:nvPicPr>
-          <p:cNvPr id="11" name="Content Placeholder 10" descr="A graph with orange and blue bars&#10;&#10;Description automatically generated">
-            <a:extLst>
-              <a:ext uri="{FF2B5EF4-FFF2-40B4-BE49-F238E27FC236}">
-                <a16:creationId xmlns:a16="http://schemas.microsoft.com/office/drawing/2014/main" id="{1F7C3139-D34D-64BE-4375-D7DDE00CA2C9}"/>
-              </a:ext>
-            </a:extLst>
-          </p:cNvPr>
-          <p:cNvPicPr>
-            <a:picLocks noGrp="1" noChangeAspect="1"/>
-          </p:cNvPicPr>
-          <p:nvPr>
-            <p:ph idx="1"/>
-          </p:nvPr>
-        </p:nvPicPr>
-        <p:blipFill>
-          <a:blip r:embed="rId2">
-            <a:extLst>
-              <a:ext uri="{28A0092B-C50C-407E-A947-70E740481C1C}">
-                <a14:useLocalDpi xmlns:a14="http://schemas.microsoft.com/office/drawing/2010/main" val="0"/>
-              </a:ext>
-            </a:extLst>
-          </a:blip>
-          <a:stretch>
-            <a:fillRect/>
-          </a:stretch>
-        </p:blipFill>
-        <p:spPr bwMode="auto">
-          <a:xfrm>
-            <a:off x="628650" y="1208859"/>
-            <a:ext cx="7898472" cy="3753099"/>
-          </a:xfrm>
-          <a:prstGeom prst="rect">
-            <a:avLst/>
-          </a:prstGeom>
-          <a:noFill/>
-          <a:extLst>
-            <a:ext uri="{909E8E84-426E-40DD-AFC4-6F175D3DCCD1}">
-              <a14:hiddenFill xmlns:a14="http://schemas.microsoft.com/office/drawing/2010/main">
-                <a:solidFill>
-                  <a:srgbClr val="FFFFFF"/>
-                </a:solidFill>
-              </a14:hiddenFill>
-            </a:ext>
-          </a:extLst>
-        </p:spPr>
-      </p:pic>
-      <p:sp>
-        <p:nvSpPr>
-          <p:cNvPr id="8" name="AutoShape 4">
-            <a:extLst>
-              <a:ext uri="{FF2B5EF4-FFF2-40B4-BE49-F238E27FC236}">
-                <a16:creationId xmlns:a16="http://schemas.microsoft.com/office/drawing/2014/main" id="{A1CA2883-2176-1AAB-74F8-744A88FE9599}"/>
-              </a:ext>
-            </a:extLst>
-          </p:cNvPr>
-          <p:cNvSpPr>
-            <a:spLocks noChangeAspect="1" noChangeArrowheads="1"/>
-          </p:cNvSpPr>
-          <p:nvPr/>
-        </p:nvSpPr>
-        <p:spPr bwMode="auto">
-          <a:xfrm>
-            <a:off x="4419600" y="3276600"/>
-            <a:ext cx="304800" cy="304800"/>
-          </a:xfrm>
-          <a:prstGeom prst="rect">
-            <a:avLst/>
-          </a:prstGeom>
-          <a:noFill/>
-          <a:extLst>
-            <a:ext uri="{909E8E84-426E-40DD-AFC4-6F175D3DCCD1}">
-              <a14:hiddenFill xmlns:a14="http://schemas.microsoft.com/office/drawing/2010/main">
-                <a:solidFill>
-                  <a:srgbClr val="FFFFFF"/>
-                </a:solidFill>
-              </a14:hiddenFill>
-            </a:ext>
-          </a:extLst>
-        </p:spPr>
-        <p:txBody>
-          <a:bodyPr vert="horz" wrap="square" lIns="91440" tIns="45720" rIns="91440" bIns="45720" numCol="1" anchor="t" anchorCtr="0" compatLnSpc="1">
-            <a:prstTxWarp prst="textNoShape">
-              <a:avLst/>
-            </a:prstTxWarp>
-          </a:bodyPr>
-          <a:lstStyle/>
-          <a:p>
-            <a:endParaRPr lang="en-US"/>
-          </a:p>
-        </p:txBody>
-      </p:sp>
-      <p:sp>
-        <p:nvSpPr>
-          <p:cNvPr id="14" name="Content Placeholder 3">
-            <a:extLst>
-              <a:ext uri="{FF2B5EF4-FFF2-40B4-BE49-F238E27FC236}">
-                <a16:creationId xmlns:a16="http://schemas.microsoft.com/office/drawing/2014/main" id="{865E5194-6A76-110B-2572-0B13840081EF}"/>
-              </a:ext>
-            </a:extLst>
-          </p:cNvPr>
-          <p:cNvSpPr txBox="1">
-            <a:spLocks/>
-          </p:cNvSpPr>
-          <p:nvPr/>
-        </p:nvSpPr>
-        <p:spPr>
-          <a:xfrm>
-            <a:off x="628650" y="5499847"/>
-            <a:ext cx="7547162" cy="1198318"/>
-          </a:xfrm>
-          <a:prstGeom prst="rect">
-            <a:avLst/>
-          </a:prstGeom>
-        </p:spPr>
-        <p:txBody>
-          <a:bodyPr vert="horz" lIns="91440" tIns="45720" rIns="91440" bIns="45720" rtlCol="0">
-            <a:normAutofit/>
-          </a:bodyPr>
-          <a:lstStyle>
-            <a:lvl1pPr marL="342906" indent="-342906" algn="l" defTabSz="457207" rtl="0" eaLnBrk="1" latinLnBrk="0" hangingPunct="1">
-              <a:spcBef>
-                <a:spcPts val="1000"/>
-              </a:spcBef>
-              <a:spcAft>
-                <a:spcPts val="0"/>
-              </a:spcAft>
-              <a:buClr>
-                <a:schemeClr val="bg2">
-                  <a:lumMod val="40000"/>
-                  <a:lumOff val="60000"/>
-                </a:schemeClr>
-              </a:buClr>
-              <a:buSzPct val="80000"/>
-              <a:buFont typeface="Wingdings 3" charset="2"/>
-              <a:buChar char=""/>
-              <a:defRPr sz="2000" b="0" i="0" kern="1200">
-                <a:solidFill>
-                  <a:schemeClr val="tx1"/>
-                </a:solidFill>
-                <a:latin typeface="+mj-lt"/>
-                <a:ea typeface="+mj-ea"/>
-                <a:cs typeface="+mj-cs"/>
-              </a:defRPr>
-            </a:lvl1pPr>
-            <a:lvl2pPr marL="742962" indent="-285755" algn="l" defTabSz="457207" rtl="0" eaLnBrk="1" latinLnBrk="0" hangingPunct="1">
-              <a:spcBef>
-                <a:spcPts val="1000"/>
-              </a:spcBef>
-              <a:spcAft>
-                <a:spcPts val="0"/>
-              </a:spcAft>
-              <a:buClr>
-                <a:schemeClr val="bg2">
-                  <a:lumMod val="40000"/>
-                  <a:lumOff val="60000"/>
-                </a:schemeClr>
-              </a:buClr>
-              <a:buSzPct val="80000"/>
-              <a:buFont typeface="Wingdings 3" charset="2"/>
-              <a:buChar char=""/>
-              <a:defRPr sz="1800" b="0" i="0" kern="1200">
-                <a:solidFill>
-                  <a:schemeClr val="tx1"/>
-                </a:solidFill>
-                <a:latin typeface="+mj-lt"/>
-                <a:ea typeface="+mj-ea"/>
-                <a:cs typeface="+mj-cs"/>
-              </a:defRPr>
-            </a:lvl2pPr>
-            <a:lvl3pPr marL="1143020" indent="-228604" algn="l" defTabSz="457207" rtl="0" eaLnBrk="1" latinLnBrk="0" hangingPunct="1">
-              <a:spcBef>
-                <a:spcPts val="1000"/>
-              </a:spcBef>
-              <a:spcAft>
-                <a:spcPts val="0"/>
-              </a:spcAft>
-              <a:buClr>
-                <a:schemeClr val="bg2">
-                  <a:lumMod val="40000"/>
-                  <a:lumOff val="60000"/>
-                </a:schemeClr>
-              </a:buClr>
-              <a:buSzPct val="80000"/>
-              <a:buFont typeface="Wingdings 3" charset="2"/>
-              <a:buChar char=""/>
-              <a:defRPr sz="1600" b="0" i="0" kern="1200">
-                <a:solidFill>
-                  <a:schemeClr val="tx1"/>
-                </a:solidFill>
-                <a:latin typeface="+mj-lt"/>
-                <a:ea typeface="+mj-ea"/>
-                <a:cs typeface="+mj-cs"/>
-              </a:defRPr>
-            </a:lvl3pPr>
-            <a:lvl4pPr marL="1600227" indent="-228604" algn="l" defTabSz="457207" rtl="0" eaLnBrk="1" latinLnBrk="0" hangingPunct="1">
-              <a:spcBef>
-                <a:spcPts val="1000"/>
-              </a:spcBef>
-              <a:spcAft>
-                <a:spcPts val="0"/>
-              </a:spcAft>
-              <a:buClr>
-                <a:schemeClr val="bg2">
-                  <a:lumMod val="40000"/>
-                  <a:lumOff val="60000"/>
-                </a:schemeClr>
-              </a:buClr>
-              <a:buSzPct val="80000"/>
-              <a:buFont typeface="Wingdings 3" charset="2"/>
-              <a:buChar char=""/>
-              <a:defRPr sz="1400" b="0" i="0" kern="1200">
-                <a:solidFill>
-                  <a:schemeClr val="tx1"/>
-                </a:solidFill>
-                <a:latin typeface="+mj-lt"/>
-                <a:ea typeface="+mj-ea"/>
-                <a:cs typeface="+mj-cs"/>
-              </a:defRPr>
-            </a:lvl4pPr>
-            <a:lvl5pPr marL="2057434" indent="-228604" algn="l" defTabSz="457207" rtl="0" eaLnBrk="1" latinLnBrk="0" hangingPunct="1">
-              <a:spcBef>
-                <a:spcPts val="1000"/>
-              </a:spcBef>
-              <a:spcAft>
-                <a:spcPts val="0"/>
-              </a:spcAft>
-              <a:buClr>
-                <a:schemeClr val="bg2">
-                  <a:lumMod val="40000"/>
-                  <a:lumOff val="60000"/>
-                </a:schemeClr>
-              </a:buClr>
-              <a:buSzPct val="80000"/>
-              <a:buFont typeface="Wingdings 3" charset="2"/>
-              <a:buChar char=""/>
-              <a:defRPr sz="1400" b="0" i="0" kern="1200">
-                <a:solidFill>
-                  <a:schemeClr val="tx1"/>
-                </a:solidFill>
-                <a:latin typeface="+mj-lt"/>
-                <a:ea typeface="+mj-ea"/>
-                <a:cs typeface="+mj-cs"/>
-              </a:defRPr>
-            </a:lvl5pPr>
-            <a:lvl6pPr marL="2514642" indent="-228604" algn="l" defTabSz="457207" rtl="0" eaLnBrk="1" latinLnBrk="0" hangingPunct="1">
-              <a:spcBef>
-                <a:spcPts val="1000"/>
-              </a:spcBef>
-              <a:spcAft>
-                <a:spcPts val="0"/>
-              </a:spcAft>
-              <a:buClr>
-                <a:schemeClr val="bg2">
-                  <a:lumMod val="40000"/>
-                  <a:lumOff val="60000"/>
-                </a:schemeClr>
-              </a:buClr>
-              <a:buSzPct val="80000"/>
-              <a:buFont typeface="Wingdings 3" charset="2"/>
-              <a:buChar char=""/>
-              <a:defRPr sz="1400" b="0" i="0" kern="1200">
-                <a:solidFill>
-                  <a:schemeClr val="tx1"/>
-                </a:solidFill>
-                <a:latin typeface="+mj-lt"/>
-                <a:ea typeface="+mj-ea"/>
-                <a:cs typeface="+mj-cs"/>
-              </a:defRPr>
-            </a:lvl6pPr>
-            <a:lvl7pPr marL="2971849" indent="-228604" algn="l" defTabSz="457207" rtl="0" eaLnBrk="1" latinLnBrk="0" hangingPunct="1">
-              <a:spcBef>
-                <a:spcPts val="1000"/>
-              </a:spcBef>
-              <a:spcAft>
-                <a:spcPts val="0"/>
-              </a:spcAft>
-              <a:buClr>
-                <a:schemeClr val="bg2">
-                  <a:lumMod val="40000"/>
-                  <a:lumOff val="60000"/>
-                </a:schemeClr>
-              </a:buClr>
-              <a:buSzPct val="80000"/>
-              <a:buFont typeface="Wingdings 3" charset="2"/>
-              <a:buChar char=""/>
-              <a:defRPr sz="1400" b="0" i="0" kern="1200">
-                <a:solidFill>
-                  <a:schemeClr val="tx1"/>
-                </a:solidFill>
-                <a:latin typeface="+mj-lt"/>
-                <a:ea typeface="+mj-ea"/>
-                <a:cs typeface="+mj-cs"/>
-              </a:defRPr>
-            </a:lvl7pPr>
-            <a:lvl8pPr marL="3429057" indent="-228604" algn="l" defTabSz="457207" rtl="0" eaLnBrk="1" latinLnBrk="0" hangingPunct="1">
-              <a:spcBef>
-                <a:spcPts val="1000"/>
-              </a:spcBef>
-              <a:spcAft>
-                <a:spcPts val="0"/>
-              </a:spcAft>
-              <a:buClr>
-                <a:schemeClr val="bg2">
-                  <a:lumMod val="40000"/>
-                  <a:lumOff val="60000"/>
-                </a:schemeClr>
-              </a:buClr>
-              <a:buSzPct val="80000"/>
-              <a:buFont typeface="Wingdings 3" charset="2"/>
-              <a:buChar char=""/>
-              <a:defRPr sz="1400" b="0" i="0" kern="1200">
-                <a:solidFill>
-                  <a:schemeClr val="tx1"/>
-                </a:solidFill>
-                <a:latin typeface="+mj-lt"/>
-                <a:ea typeface="+mj-ea"/>
-                <a:cs typeface="+mj-cs"/>
-              </a:defRPr>
-            </a:lvl8pPr>
-            <a:lvl9pPr marL="3886264" indent="-228604" algn="l" defTabSz="457207" rtl="0" eaLnBrk="1" latinLnBrk="0" hangingPunct="1">
-              <a:spcBef>
-                <a:spcPts val="1000"/>
-              </a:spcBef>
-              <a:spcAft>
-                <a:spcPts val="0"/>
-              </a:spcAft>
-              <a:buClr>
-                <a:schemeClr val="bg2">
-                  <a:lumMod val="40000"/>
-                  <a:lumOff val="60000"/>
-                </a:schemeClr>
-              </a:buClr>
-              <a:buSzPct val="80000"/>
-              <a:buFont typeface="Wingdings 3" charset="2"/>
-              <a:buChar char=""/>
-              <a:defRPr sz="1400" b="0" i="0" kern="1200">
-                <a:solidFill>
-                  <a:schemeClr val="tx1"/>
-                </a:solidFill>
-                <a:latin typeface="+mj-lt"/>
-                <a:ea typeface="+mj-ea"/>
-                <a:cs typeface="+mj-cs"/>
-              </a:defRPr>
-            </a:lvl9pPr>
-          </a:lstStyle>
-          <a:p>
-            <a:pPr marL="457207" lvl="1" indent="0">
-              <a:buNone/>
-            </a:pPr>
-            <a:r>
-              <a:rPr lang="en-US" dirty="0"/>
-              <a:t>On average, every weekend, Canadian, Australian, and Estonian men drink a fifth…. </a:t>
-            </a:r>
-          </a:p>
-          <a:p>
-            <a:pPr marL="457207" lvl="1" indent="0">
-              <a:buNone/>
-            </a:pPr>
-            <a:r>
-              <a:rPr lang="en-US" sz="600" dirty="0"/>
-              <a:t>Not a </a:t>
-            </a:r>
-            <a:r>
-              <a:rPr lang="en-US" sz="1400" dirty="0"/>
-              <a:t>FACT: Average Texas Tech student drinks this before breakfast.</a:t>
-            </a:r>
-          </a:p>
-        </p:txBody>
-      </p:sp>
-    </p:spTree>
-    <p:extLst>
-      <p:ext uri="{BB962C8B-B14F-4D97-AF65-F5344CB8AC3E}">
-        <p14:creationId xmlns:p14="http://schemas.microsoft.com/office/powerpoint/2010/main" val="3806980184"/>
-      </p:ext>
-    </p:extLst>
-  </p:cSld>
-  <p:clrMapOvr>
-    <a:masterClrMapping/>
-  </p:clrMapOvr>
-</p:sld>
-</file>
-
-<file path=ppt/slides/slide16.xml><?xml version="1.0" encoding="utf-8"?>
-<p:sld xmlns:a="http://schemas.openxmlformats.org/drawingml/2006/main" xmlns:r="http://schemas.openxmlformats.org/officeDocument/2006/relationships" xmlns:p="http://schemas.openxmlformats.org/presentationml/2006/main">
-  <p:cSld>
-    <p:spTree>
-      <p:nvGrpSpPr>
-        <p:cNvPr id="1" name=""/>
-        <p:cNvGrpSpPr/>
-        <p:nvPr/>
-      </p:nvGrpSpPr>
-      <p:grpSpPr>
-        <a:xfrm>
-          <a:off x="0" y="0"/>
-          <a:ext cx="0" cy="0"/>
-          <a:chOff x="0" y="0"/>
-          <a:chExt cx="0" cy="0"/>
-        </a:xfrm>
-      </p:grpSpPr>
-      <p:sp>
-        <p:nvSpPr>
-          <p:cNvPr id="2" name="Title 1">
-            <a:extLst>
-              <a:ext uri="{FF2B5EF4-FFF2-40B4-BE49-F238E27FC236}">
-                <a16:creationId xmlns:a16="http://schemas.microsoft.com/office/drawing/2014/main" id="{C60C0585-6AD7-08A9-E331-C08D227CC24E}"/>
-              </a:ext>
-            </a:extLst>
-          </p:cNvPr>
-          <p:cNvSpPr>
-            <a:spLocks noGrp="1"/>
-          </p:cNvSpPr>
-          <p:nvPr>
-            <p:ph type="title"/>
-          </p:nvPr>
-        </p:nvSpPr>
-        <p:spPr/>
-        <p:txBody>
-          <a:bodyPr/>
-          <a:lstStyle/>
-          <a:p>
-            <a:r>
-              <a:rPr lang="en-US" dirty="0"/>
-              <a:t>Target Countries: Drinking Age Consumers</a:t>
-            </a:r>
-          </a:p>
-        </p:txBody>
-      </p:sp>
-      <p:pic>
-        <p:nvPicPr>
-          <p:cNvPr id="5" name="Content Placeholder 4" descr="A graph with text on it&#10;&#10;Description automatically generated">
-            <a:extLst>
-              <a:ext uri="{FF2B5EF4-FFF2-40B4-BE49-F238E27FC236}">
-                <a16:creationId xmlns:a16="http://schemas.microsoft.com/office/drawing/2014/main" id="{DACD43F0-C09F-FC60-6A27-42C80BE9D588}"/>
-              </a:ext>
-            </a:extLst>
-          </p:cNvPr>
-          <p:cNvPicPr>
-            <a:picLocks noGrp="1" noChangeAspect="1"/>
-          </p:cNvPicPr>
-          <p:nvPr>
-            <p:ph idx="1"/>
-          </p:nvPr>
-        </p:nvPicPr>
-        <p:blipFill>
-          <a:blip r:embed="rId2">
-            <a:extLst>
-              <a:ext uri="{28A0092B-C50C-407E-A947-70E740481C1C}">
-                <a14:useLocalDpi xmlns:a14="http://schemas.microsoft.com/office/drawing/2010/main" val="0"/>
-              </a:ext>
-            </a:extLst>
-          </a:blip>
-          <a:stretch>
-            <a:fillRect/>
-          </a:stretch>
-        </p:blipFill>
-        <p:spPr>
-          <a:xfrm>
-            <a:off x="360589" y="2015062"/>
-            <a:ext cx="8035989" cy="3578914"/>
-          </a:xfrm>
-        </p:spPr>
-      </p:pic>
-      <p:sp>
-        <p:nvSpPr>
-          <p:cNvPr id="6" name="Content Placeholder 3">
-            <a:extLst>
-              <a:ext uri="{FF2B5EF4-FFF2-40B4-BE49-F238E27FC236}">
-                <a16:creationId xmlns:a16="http://schemas.microsoft.com/office/drawing/2014/main" id="{65F8A567-CF97-47F7-BA9D-E087AECA0E67}"/>
-              </a:ext>
-            </a:extLst>
-          </p:cNvPr>
-          <p:cNvSpPr txBox="1">
-            <a:spLocks/>
-          </p:cNvSpPr>
-          <p:nvPr/>
-        </p:nvSpPr>
-        <p:spPr>
-          <a:xfrm>
-            <a:off x="638978" y="5673687"/>
-            <a:ext cx="7536834" cy="1024478"/>
-          </a:xfrm>
-          <a:prstGeom prst="rect">
-            <a:avLst/>
-          </a:prstGeom>
-        </p:spPr>
-        <p:txBody>
-          <a:bodyPr vert="horz" lIns="91440" tIns="45720" rIns="91440" bIns="45720" rtlCol="0">
-            <a:normAutofit/>
-          </a:bodyPr>
-          <a:lstStyle>
-            <a:lvl1pPr marL="342906" indent="-342906" algn="l" defTabSz="457207" rtl="0" eaLnBrk="1" latinLnBrk="0" hangingPunct="1">
-              <a:spcBef>
-                <a:spcPts val="1000"/>
-              </a:spcBef>
-              <a:spcAft>
-                <a:spcPts val="0"/>
-              </a:spcAft>
-              <a:buClr>
-                <a:schemeClr val="bg2">
-                  <a:lumMod val="40000"/>
-                  <a:lumOff val="60000"/>
-                </a:schemeClr>
-              </a:buClr>
-              <a:buSzPct val="80000"/>
-              <a:buFont typeface="Wingdings 3" charset="2"/>
-              <a:buChar char=""/>
-              <a:defRPr sz="2000" b="0" i="0" kern="1200">
-                <a:solidFill>
-                  <a:schemeClr val="tx1"/>
-                </a:solidFill>
-                <a:latin typeface="+mj-lt"/>
-                <a:ea typeface="+mj-ea"/>
-                <a:cs typeface="+mj-cs"/>
-              </a:defRPr>
-            </a:lvl1pPr>
-            <a:lvl2pPr marL="742962" indent="-285755" algn="l" defTabSz="457207" rtl="0" eaLnBrk="1" latinLnBrk="0" hangingPunct="1">
-              <a:spcBef>
-                <a:spcPts val="1000"/>
-              </a:spcBef>
-              <a:spcAft>
-                <a:spcPts val="0"/>
-              </a:spcAft>
-              <a:buClr>
-                <a:schemeClr val="bg2">
-                  <a:lumMod val="40000"/>
-                  <a:lumOff val="60000"/>
-                </a:schemeClr>
-              </a:buClr>
-              <a:buSzPct val="80000"/>
-              <a:buFont typeface="Wingdings 3" charset="2"/>
-              <a:buChar char=""/>
-              <a:defRPr sz="1800" b="0" i="0" kern="1200">
-                <a:solidFill>
-                  <a:schemeClr val="tx1"/>
-                </a:solidFill>
-                <a:latin typeface="+mj-lt"/>
-                <a:ea typeface="+mj-ea"/>
-                <a:cs typeface="+mj-cs"/>
-              </a:defRPr>
-            </a:lvl2pPr>
-            <a:lvl3pPr marL="1143020" indent="-228604" algn="l" defTabSz="457207" rtl="0" eaLnBrk="1" latinLnBrk="0" hangingPunct="1">
-              <a:spcBef>
-                <a:spcPts val="1000"/>
-              </a:spcBef>
-              <a:spcAft>
-                <a:spcPts val="0"/>
-              </a:spcAft>
-              <a:buClr>
-                <a:schemeClr val="bg2">
-                  <a:lumMod val="40000"/>
-                  <a:lumOff val="60000"/>
-                </a:schemeClr>
-              </a:buClr>
-              <a:buSzPct val="80000"/>
-              <a:buFont typeface="Wingdings 3" charset="2"/>
-              <a:buChar char=""/>
-              <a:defRPr sz="1600" b="0" i="0" kern="1200">
-                <a:solidFill>
-                  <a:schemeClr val="tx1"/>
-                </a:solidFill>
-                <a:latin typeface="+mj-lt"/>
-                <a:ea typeface="+mj-ea"/>
-                <a:cs typeface="+mj-cs"/>
-              </a:defRPr>
-            </a:lvl3pPr>
-            <a:lvl4pPr marL="1600227" indent="-228604" algn="l" defTabSz="457207" rtl="0" eaLnBrk="1" latinLnBrk="0" hangingPunct="1">
-              <a:spcBef>
-                <a:spcPts val="1000"/>
-              </a:spcBef>
-              <a:spcAft>
-                <a:spcPts val="0"/>
-              </a:spcAft>
-              <a:buClr>
-                <a:schemeClr val="bg2">
-                  <a:lumMod val="40000"/>
-                  <a:lumOff val="60000"/>
-                </a:schemeClr>
-              </a:buClr>
-              <a:buSzPct val="80000"/>
-              <a:buFont typeface="Wingdings 3" charset="2"/>
-              <a:buChar char=""/>
-              <a:defRPr sz="1400" b="0" i="0" kern="1200">
-                <a:solidFill>
-                  <a:schemeClr val="tx1"/>
-                </a:solidFill>
-                <a:latin typeface="+mj-lt"/>
-                <a:ea typeface="+mj-ea"/>
-                <a:cs typeface="+mj-cs"/>
-              </a:defRPr>
-            </a:lvl4pPr>
-            <a:lvl5pPr marL="2057434" indent="-228604" algn="l" defTabSz="457207" rtl="0" eaLnBrk="1" latinLnBrk="0" hangingPunct="1">
-              <a:spcBef>
-                <a:spcPts val="1000"/>
-              </a:spcBef>
-              <a:spcAft>
-                <a:spcPts val="0"/>
-              </a:spcAft>
-              <a:buClr>
-                <a:schemeClr val="bg2">
-                  <a:lumMod val="40000"/>
-                  <a:lumOff val="60000"/>
-                </a:schemeClr>
-              </a:buClr>
-              <a:buSzPct val="80000"/>
-              <a:buFont typeface="Wingdings 3" charset="2"/>
-              <a:buChar char=""/>
-              <a:defRPr sz="1400" b="0" i="0" kern="1200">
-                <a:solidFill>
-                  <a:schemeClr val="tx1"/>
-                </a:solidFill>
-                <a:latin typeface="+mj-lt"/>
-                <a:ea typeface="+mj-ea"/>
-                <a:cs typeface="+mj-cs"/>
-              </a:defRPr>
-            </a:lvl5pPr>
-            <a:lvl6pPr marL="2514642" indent="-228604" algn="l" defTabSz="457207" rtl="0" eaLnBrk="1" latinLnBrk="0" hangingPunct="1">
-              <a:spcBef>
-                <a:spcPts val="1000"/>
-              </a:spcBef>
-              <a:spcAft>
-                <a:spcPts val="0"/>
-              </a:spcAft>
-              <a:buClr>
-                <a:schemeClr val="bg2">
-                  <a:lumMod val="40000"/>
-                  <a:lumOff val="60000"/>
-                </a:schemeClr>
-              </a:buClr>
-              <a:buSzPct val="80000"/>
-              <a:buFont typeface="Wingdings 3" charset="2"/>
-              <a:buChar char=""/>
-              <a:defRPr sz="1400" b="0" i="0" kern="1200">
-                <a:solidFill>
-                  <a:schemeClr val="tx1"/>
-                </a:solidFill>
-                <a:latin typeface="+mj-lt"/>
-                <a:ea typeface="+mj-ea"/>
-                <a:cs typeface="+mj-cs"/>
-              </a:defRPr>
-            </a:lvl6pPr>
-            <a:lvl7pPr marL="2971849" indent="-228604" algn="l" defTabSz="457207" rtl="0" eaLnBrk="1" latinLnBrk="0" hangingPunct="1">
-              <a:spcBef>
-                <a:spcPts val="1000"/>
-              </a:spcBef>
-              <a:spcAft>
-                <a:spcPts val="0"/>
-              </a:spcAft>
-              <a:buClr>
-                <a:schemeClr val="bg2">
-                  <a:lumMod val="40000"/>
-                  <a:lumOff val="60000"/>
-                </a:schemeClr>
-              </a:buClr>
-              <a:buSzPct val="80000"/>
-              <a:buFont typeface="Wingdings 3" charset="2"/>
-              <a:buChar char=""/>
-              <a:defRPr sz="1400" b="0" i="0" kern="1200">
-                <a:solidFill>
-                  <a:schemeClr val="tx1"/>
-                </a:solidFill>
-                <a:latin typeface="+mj-lt"/>
-                <a:ea typeface="+mj-ea"/>
-                <a:cs typeface="+mj-cs"/>
-              </a:defRPr>
-            </a:lvl7pPr>
-            <a:lvl8pPr marL="3429057" indent="-228604" algn="l" defTabSz="457207" rtl="0" eaLnBrk="1" latinLnBrk="0" hangingPunct="1">
-              <a:spcBef>
-                <a:spcPts val="1000"/>
-              </a:spcBef>
-              <a:spcAft>
-                <a:spcPts val="0"/>
-              </a:spcAft>
-              <a:buClr>
-                <a:schemeClr val="bg2">
-                  <a:lumMod val="40000"/>
-                  <a:lumOff val="60000"/>
-                </a:schemeClr>
-              </a:buClr>
-              <a:buSzPct val="80000"/>
-              <a:buFont typeface="Wingdings 3" charset="2"/>
-              <a:buChar char=""/>
-              <a:defRPr sz="1400" b="0" i="0" kern="1200">
-                <a:solidFill>
-                  <a:schemeClr val="tx1"/>
-                </a:solidFill>
-                <a:latin typeface="+mj-lt"/>
-                <a:ea typeface="+mj-ea"/>
-                <a:cs typeface="+mj-cs"/>
-              </a:defRPr>
-            </a:lvl8pPr>
-            <a:lvl9pPr marL="3886264" indent="-228604" algn="l" defTabSz="457207" rtl="0" eaLnBrk="1" latinLnBrk="0" hangingPunct="1">
-              <a:spcBef>
-                <a:spcPts val="1000"/>
-              </a:spcBef>
-              <a:spcAft>
-                <a:spcPts val="0"/>
-              </a:spcAft>
-              <a:buClr>
-                <a:schemeClr val="bg2">
-                  <a:lumMod val="40000"/>
-                  <a:lumOff val="60000"/>
-                </a:schemeClr>
-              </a:buClr>
-              <a:buSzPct val="80000"/>
-              <a:buFont typeface="Wingdings 3" charset="2"/>
-              <a:buChar char=""/>
-              <a:defRPr sz="1400" b="0" i="0" kern="1200">
-                <a:solidFill>
-                  <a:schemeClr val="tx1"/>
-                </a:solidFill>
-                <a:latin typeface="+mj-lt"/>
-                <a:ea typeface="+mj-ea"/>
-                <a:cs typeface="+mj-cs"/>
-              </a:defRPr>
-            </a:lvl9pPr>
-          </a:lstStyle>
-          <a:p>
-            <a:pPr marL="457207" lvl="1" indent="0">
-              <a:buNone/>
-            </a:pPr>
-            <a:r>
-              <a:rPr lang="en-US" sz="1400" dirty="0"/>
-              <a:t>NOTE: Women make up a higher percentage of the total population in all age ranges.  Women skew older. </a:t>
-            </a:r>
-          </a:p>
-        </p:txBody>
-      </p:sp>
-    </p:spTree>
-    <p:extLst>
-      <p:ext uri="{BB962C8B-B14F-4D97-AF65-F5344CB8AC3E}">
-        <p14:creationId xmlns:p14="http://schemas.microsoft.com/office/powerpoint/2010/main" val="4283909009"/>
-      </p:ext>
-    </p:extLst>
-  </p:cSld>
-  <p:clrMapOvr>
-    <a:masterClrMapping/>
-  </p:clrMapOvr>
-</p:sld>
-</file>
-
 <file path=ppt/slides/slide17.xml><?xml version="1.0" encoding="utf-8"?>
 <p:sld xmlns:a="http://schemas.openxmlformats.org/drawingml/2006/main" xmlns:r="http://schemas.openxmlformats.org/officeDocument/2006/relationships" xmlns:p="http://schemas.openxmlformats.org/presentationml/2006/main">
   <p:cSld>
@@ -12310,7 +12098,7 @@
           <p:nvPr>
             <p:extLst>
               <p:ext uri="{D42A27DB-BD31-4B8C-83A1-F6EECF244321}">
-                <p14:modId xmlns:p14="http://schemas.microsoft.com/office/powerpoint/2010/main" val="4012251448"/>
+                <p14:modId xmlns:p14="http://schemas.microsoft.com/office/powerpoint/2010/main" val="1261520156"/>
               </p:ext>
             </p:extLst>
           </p:nvPr>
@@ -12470,27 +12258,7 @@
                           <a:effectLst/>
                           <a:latin typeface="Aptos Narrow" panose="020B0004020202020204" pitchFamily="34" charset="0"/>
                         </a:rPr>
-                        <a:t>Are there patriotic or </a:t>
-                      </a:r>
-                      <a:r>
-                        <a:rPr lang="en-US" sz="1100" b="0" i="0" u="none" strike="noStrike" dirty="0" err="1">
-                          <a:solidFill>
-                            <a:srgbClr val="000000"/>
-                          </a:solidFill>
-                          <a:effectLst/>
-                          <a:latin typeface="Aptos Narrow" panose="020B0004020202020204" pitchFamily="34" charset="0"/>
-                        </a:rPr>
-                        <a:t>othe</a:t>
-                      </a:r>
-                      <a:r>
-                        <a:rPr lang="en-US" sz="1100" b="0" i="0" u="none" strike="noStrike" dirty="0">
-                          <a:solidFill>
-                            <a:srgbClr val="000000"/>
-                          </a:solidFill>
-                          <a:effectLst/>
-                          <a:latin typeface="Aptos Narrow" panose="020B0004020202020204" pitchFamily="34" charset="0"/>
-                        </a:rPr>
-                        <a:t> reasons for spirit popularity and consumption. </a:t>
+                        <a:t>Are there patriotic or other reasons for spirit popularity and consumption. </a:t>
                       </a:r>
                     </a:p>
                   </a:txBody>
@@ -16005,402 +15773,6 @@
           <a:p>
             <a:r>
               <a:rPr lang="en-US" sz="2400" dirty="0"/>
-              <a:t>Spending : Regional Spending Trends</a:t>
-            </a:r>
-            <a:endParaRPr lang="en-US" sz="2000" dirty="0"/>
-          </a:p>
-        </p:txBody>
-      </p:sp>
-      <p:cxnSp>
-        <p:nvCxnSpPr>
-          <p:cNvPr id="9" name="Straight Connector 8">
-            <a:extLst>
-              <a:ext uri="{FF2B5EF4-FFF2-40B4-BE49-F238E27FC236}">
-                <a16:creationId xmlns:a16="http://schemas.microsoft.com/office/drawing/2014/main" id="{8F26BB9A-3782-4FFC-A29F-1A72AC2E802A}"/>
-              </a:ext>
-            </a:extLst>
-          </p:cNvPr>
-          <p:cNvCxnSpPr>
-            <a:cxnSpLocks/>
-          </p:cNvCxnSpPr>
-          <p:nvPr/>
-        </p:nvCxnSpPr>
-        <p:spPr>
-          <a:xfrm flipH="1">
-            <a:off x="628650" y="956736"/>
-            <a:ext cx="7886700" cy="0"/>
-          </a:xfrm>
-          <a:prstGeom prst="line">
-            <a:avLst/>
-          </a:prstGeom>
-          <a:ln w="76200">
-            <a:solidFill>
-              <a:schemeClr val="accent1">
-                <a:lumMod val="50000"/>
-              </a:schemeClr>
-            </a:solidFill>
-          </a:ln>
-        </p:spPr>
-        <p:style>
-          <a:lnRef idx="1">
-            <a:schemeClr val="accent1"/>
-          </a:lnRef>
-          <a:fillRef idx="0">
-            <a:schemeClr val="accent1"/>
-          </a:fillRef>
-          <a:effectRef idx="0">
-            <a:schemeClr val="accent1"/>
-          </a:effectRef>
-          <a:fontRef idx="minor">
-            <a:schemeClr val="tx1"/>
-          </a:fontRef>
-        </p:style>
-      </p:cxnSp>
-      <p:sp>
-        <p:nvSpPr>
-          <p:cNvPr id="7" name="Content Placeholder 2">
-            <a:extLst>
-              <a:ext uri="{FF2B5EF4-FFF2-40B4-BE49-F238E27FC236}">
-                <a16:creationId xmlns:a16="http://schemas.microsoft.com/office/drawing/2014/main" id="{60485BC1-9513-42A5-AF72-3344E0BA19A2}"/>
-              </a:ext>
-            </a:extLst>
-          </p:cNvPr>
-          <p:cNvSpPr txBox="1">
-            <a:spLocks/>
-          </p:cNvSpPr>
-          <p:nvPr/>
-        </p:nvSpPr>
-        <p:spPr>
-          <a:xfrm>
-            <a:off x="872982" y="1080761"/>
-            <a:ext cx="7875890" cy="333762"/>
-          </a:xfrm>
-          <a:prstGeom prst="rect">
-            <a:avLst/>
-          </a:prstGeom>
-        </p:spPr>
-        <p:txBody>
-          <a:bodyPr vert="horz" lIns="68580" tIns="34290" rIns="68580" bIns="34290" rtlCol="0">
-            <a:normAutofit/>
-          </a:bodyPr>
-          <a:lstStyle>
-            <a:lvl1pPr marL="228600" indent="-228600" algn="l" defTabSz="914400" rtl="0" eaLnBrk="1" latinLnBrk="0" hangingPunct="1">
-              <a:lnSpc>
-                <a:spcPct val="90000"/>
-              </a:lnSpc>
-              <a:spcBef>
-                <a:spcPts val="1000"/>
-              </a:spcBef>
-              <a:buFont typeface="Arial" panose="020B0604020202020204" pitchFamily="34" charset="0"/>
-              <a:buChar char="•"/>
-              <a:defRPr sz="2800" kern="1200">
-                <a:solidFill>
-                  <a:schemeClr val="tx1"/>
-                </a:solidFill>
-                <a:latin typeface="+mn-lt"/>
-                <a:ea typeface="+mn-ea"/>
-                <a:cs typeface="+mn-cs"/>
-              </a:defRPr>
-            </a:lvl1pPr>
-            <a:lvl2pPr marL="685800" indent="-228600" algn="l" defTabSz="914400" rtl="0" eaLnBrk="1" latinLnBrk="0" hangingPunct="1">
-              <a:lnSpc>
-                <a:spcPct val="90000"/>
-              </a:lnSpc>
-              <a:spcBef>
-                <a:spcPts val="500"/>
-              </a:spcBef>
-              <a:buFont typeface="Arial" panose="020B0604020202020204" pitchFamily="34" charset="0"/>
-              <a:buChar char="•"/>
-              <a:defRPr sz="2400" kern="1200">
-                <a:solidFill>
-                  <a:schemeClr val="tx1"/>
-                </a:solidFill>
-                <a:latin typeface="+mn-lt"/>
-                <a:ea typeface="+mn-ea"/>
-                <a:cs typeface="+mn-cs"/>
-              </a:defRPr>
-            </a:lvl2pPr>
-            <a:lvl3pPr marL="1143000" indent="-228600" algn="l" defTabSz="914400" rtl="0" eaLnBrk="1" latinLnBrk="0" hangingPunct="1">
-              <a:lnSpc>
-                <a:spcPct val="90000"/>
-              </a:lnSpc>
-              <a:spcBef>
-                <a:spcPts val="500"/>
-              </a:spcBef>
-              <a:buFont typeface="Arial" panose="020B0604020202020204" pitchFamily="34" charset="0"/>
-              <a:buChar char="•"/>
-              <a:defRPr sz="2000" kern="1200">
-                <a:solidFill>
-                  <a:schemeClr val="tx1"/>
-                </a:solidFill>
-                <a:latin typeface="+mn-lt"/>
-                <a:ea typeface="+mn-ea"/>
-                <a:cs typeface="+mn-cs"/>
-              </a:defRPr>
-            </a:lvl3pPr>
-            <a:lvl4pPr marL="1600200" indent="-228600" algn="l" defTabSz="914400" rtl="0" eaLnBrk="1" latinLnBrk="0" hangingPunct="1">
-              <a:lnSpc>
-                <a:spcPct val="90000"/>
-              </a:lnSpc>
-              <a:spcBef>
-                <a:spcPts val="500"/>
-              </a:spcBef>
-              <a:buFont typeface="Arial" panose="020B0604020202020204" pitchFamily="34" charset="0"/>
-              <a:buChar char="•"/>
-              <a:defRPr sz="1800" kern="1200">
-                <a:solidFill>
-                  <a:schemeClr val="tx1"/>
-                </a:solidFill>
-                <a:latin typeface="+mn-lt"/>
-                <a:ea typeface="+mn-ea"/>
-                <a:cs typeface="+mn-cs"/>
-              </a:defRPr>
-            </a:lvl4pPr>
-            <a:lvl5pPr marL="2057400" indent="-228600" algn="l" defTabSz="914400" rtl="0" eaLnBrk="1" latinLnBrk="0" hangingPunct="1">
-              <a:lnSpc>
-                <a:spcPct val="90000"/>
-              </a:lnSpc>
-              <a:spcBef>
-                <a:spcPts val="500"/>
-              </a:spcBef>
-              <a:buFont typeface="Arial" panose="020B0604020202020204" pitchFamily="34" charset="0"/>
-              <a:buChar char="•"/>
-              <a:defRPr sz="1800" kern="1200">
-                <a:solidFill>
-                  <a:schemeClr val="tx1"/>
-                </a:solidFill>
-                <a:latin typeface="+mn-lt"/>
-                <a:ea typeface="+mn-ea"/>
-                <a:cs typeface="+mn-cs"/>
-              </a:defRPr>
-            </a:lvl5pPr>
-            <a:lvl6pPr marL="2514600" indent="-228600" algn="l" defTabSz="914400" rtl="0" eaLnBrk="1" latinLnBrk="0" hangingPunct="1">
-              <a:lnSpc>
-                <a:spcPct val="90000"/>
-              </a:lnSpc>
-              <a:spcBef>
-                <a:spcPts val="500"/>
-              </a:spcBef>
-              <a:buFont typeface="Arial" panose="020B0604020202020204" pitchFamily="34" charset="0"/>
-              <a:buChar char="•"/>
-              <a:defRPr sz="1800" kern="1200">
-                <a:solidFill>
-                  <a:schemeClr val="tx1"/>
-                </a:solidFill>
-                <a:latin typeface="+mn-lt"/>
-                <a:ea typeface="+mn-ea"/>
-                <a:cs typeface="+mn-cs"/>
-              </a:defRPr>
-            </a:lvl6pPr>
-            <a:lvl7pPr marL="2971800" indent="-228600" algn="l" defTabSz="914400" rtl="0" eaLnBrk="1" latinLnBrk="0" hangingPunct="1">
-              <a:lnSpc>
-                <a:spcPct val="90000"/>
-              </a:lnSpc>
-              <a:spcBef>
-                <a:spcPts val="500"/>
-              </a:spcBef>
-              <a:buFont typeface="Arial" panose="020B0604020202020204" pitchFamily="34" charset="0"/>
-              <a:buChar char="•"/>
-              <a:defRPr sz="1800" kern="1200">
-                <a:solidFill>
-                  <a:schemeClr val="tx1"/>
-                </a:solidFill>
-                <a:latin typeface="+mn-lt"/>
-                <a:ea typeface="+mn-ea"/>
-                <a:cs typeface="+mn-cs"/>
-              </a:defRPr>
-            </a:lvl7pPr>
-            <a:lvl8pPr marL="3429000" indent="-228600" algn="l" defTabSz="914400" rtl="0" eaLnBrk="1" latinLnBrk="0" hangingPunct="1">
-              <a:lnSpc>
-                <a:spcPct val="90000"/>
-              </a:lnSpc>
-              <a:spcBef>
-                <a:spcPts val="500"/>
-              </a:spcBef>
-              <a:buFont typeface="Arial" panose="020B0604020202020204" pitchFamily="34" charset="0"/>
-              <a:buChar char="•"/>
-              <a:defRPr sz="1800" kern="1200">
-                <a:solidFill>
-                  <a:schemeClr val="tx1"/>
-                </a:solidFill>
-                <a:latin typeface="+mn-lt"/>
-                <a:ea typeface="+mn-ea"/>
-                <a:cs typeface="+mn-cs"/>
-              </a:defRPr>
-            </a:lvl8pPr>
-            <a:lvl9pPr marL="3886200" indent="-228600" algn="l" defTabSz="914400" rtl="0" eaLnBrk="1" latinLnBrk="0" hangingPunct="1">
-              <a:lnSpc>
-                <a:spcPct val="90000"/>
-              </a:lnSpc>
-              <a:spcBef>
-                <a:spcPts val="500"/>
-              </a:spcBef>
-              <a:buFont typeface="Arial" panose="020B0604020202020204" pitchFamily="34" charset="0"/>
-              <a:buChar char="•"/>
-              <a:defRPr sz="1800" kern="1200">
-                <a:solidFill>
-                  <a:schemeClr val="tx1"/>
-                </a:solidFill>
-                <a:latin typeface="+mn-lt"/>
-                <a:ea typeface="+mn-ea"/>
-                <a:cs typeface="+mn-cs"/>
-              </a:defRPr>
-            </a:lvl9pPr>
-          </a:lstStyle>
-          <a:p>
-            <a:pPr marL="0" indent="0">
-              <a:buNone/>
-            </a:pPr>
-            <a:endParaRPr lang="en-US" sz="1600" i="1" dirty="0"/>
-          </a:p>
-        </p:txBody>
-      </p:sp>
-      <p:sp>
-        <p:nvSpPr>
-          <p:cNvPr id="3" name="Rectangle 2">
-            <a:extLst>
-              <a:ext uri="{FF2B5EF4-FFF2-40B4-BE49-F238E27FC236}">
-                <a16:creationId xmlns:a16="http://schemas.microsoft.com/office/drawing/2014/main" id="{D94F6BC6-6192-0AE9-A8F9-3A766E4EC900}"/>
-              </a:ext>
-            </a:extLst>
-          </p:cNvPr>
-          <p:cNvSpPr/>
-          <p:nvPr/>
-        </p:nvSpPr>
-        <p:spPr>
-          <a:xfrm>
-            <a:off x="6684850" y="159835"/>
-            <a:ext cx="1675460" cy="1446550"/>
-          </a:xfrm>
-          <a:prstGeom prst="rect">
-            <a:avLst/>
-          </a:prstGeom>
-          <a:noFill/>
-        </p:spPr>
-        <p:txBody>
-          <a:bodyPr wrap="none" lIns="91440" tIns="45720" rIns="91440" bIns="45720">
-            <a:spAutoFit/>
-            <a:scene3d>
-              <a:camera prst="orthographicFront"/>
-              <a:lightRig rig="soft" dir="t">
-                <a:rot lat="0" lon="0" rev="15600000"/>
-              </a:lightRig>
-            </a:scene3d>
-            <a:sp3d extrusionH="57150" prstMaterial="softEdge">
-              <a:bevelT w="25400" h="38100"/>
-            </a:sp3d>
-          </a:bodyPr>
-          <a:lstStyle/>
-          <a:p>
-            <a:pPr algn="ctr"/>
-            <a:r>
-              <a:rPr lang="en-US" sz="8800" b="1" dirty="0">
-                <a:ln/>
-                <a:solidFill>
-                  <a:schemeClr val="accent4"/>
-                </a:solidFill>
-              </a:rPr>
-              <a:t>***</a:t>
-            </a:r>
-          </a:p>
-        </p:txBody>
-      </p:sp>
-      <p:pic>
-        <p:nvPicPr>
-          <p:cNvPr id="6" name="Picture 5" descr="A graph of different colors and numbers&#10;&#10;Description automatically generated">
-            <a:extLst>
-              <a:ext uri="{FF2B5EF4-FFF2-40B4-BE49-F238E27FC236}">
-                <a16:creationId xmlns:a16="http://schemas.microsoft.com/office/drawing/2014/main" id="{69A7548D-1EA4-03A8-F3AA-84C4E2E6F5B7}"/>
-              </a:ext>
-            </a:extLst>
-          </p:cNvPr>
-          <p:cNvPicPr>
-            <a:picLocks noChangeAspect="1"/>
-          </p:cNvPicPr>
-          <p:nvPr/>
-        </p:nvPicPr>
-        <p:blipFill>
-          <a:blip r:embed="rId3">
-            <a:extLst>
-              <a:ext uri="{28A0092B-C50C-407E-A947-70E740481C1C}">
-                <a14:useLocalDpi xmlns:a14="http://schemas.microsoft.com/office/drawing/2010/main" val="0"/>
-              </a:ext>
-            </a:extLst>
-          </a:blip>
-          <a:stretch>
-            <a:fillRect/>
-          </a:stretch>
-        </p:blipFill>
-        <p:spPr>
-          <a:xfrm>
-            <a:off x="0" y="722499"/>
-            <a:ext cx="9144000" cy="5975666"/>
-          </a:xfrm>
-          <a:prstGeom prst="rect">
-            <a:avLst/>
-          </a:prstGeom>
-        </p:spPr>
-      </p:pic>
-    </p:spTree>
-    <p:extLst>
-      <p:ext uri="{BB962C8B-B14F-4D97-AF65-F5344CB8AC3E}">
-        <p14:creationId xmlns:p14="http://schemas.microsoft.com/office/powerpoint/2010/main" val="3619308738"/>
-      </p:ext>
-    </p:extLst>
-  </p:cSld>
-  <p:clrMapOvr>
-    <a:masterClrMapping/>
-  </p:clrMapOvr>
-</p:sld>
-</file>
-
-<file path=ppt/slides/slide7.xml><?xml version="1.0" encoding="utf-8"?>
-<p:sld xmlns:a="http://schemas.openxmlformats.org/drawingml/2006/main" xmlns:r="http://schemas.openxmlformats.org/officeDocument/2006/relationships" xmlns:p="http://schemas.openxmlformats.org/presentationml/2006/main">
-  <p:cSld>
-    <p:spTree>
-      <p:nvGrpSpPr>
-        <p:cNvPr id="1" name=""/>
-        <p:cNvGrpSpPr/>
-        <p:nvPr/>
-      </p:nvGrpSpPr>
-      <p:grpSpPr>
-        <a:xfrm>
-          <a:off x="0" y="0"/>
-          <a:ext cx="0" cy="0"/>
-          <a:chOff x="0" y="0"/>
-          <a:chExt cx="0" cy="0"/>
-        </a:xfrm>
-      </p:grpSpPr>
-      <p:sp>
-        <p:nvSpPr>
-          <p:cNvPr id="2" name="Title 1">
-            <a:extLst>
-              <a:ext uri="{FF2B5EF4-FFF2-40B4-BE49-F238E27FC236}">
-                <a16:creationId xmlns:a16="http://schemas.microsoft.com/office/drawing/2014/main" id="{F2CF371B-8DC2-4D45-8F0B-DD73E387B50D}"/>
-              </a:ext>
-            </a:extLst>
-          </p:cNvPr>
-          <p:cNvSpPr>
-            <a:spLocks noGrp="1"/>
-          </p:cNvSpPr>
-          <p:nvPr>
-            <p:ph type="title"/>
-          </p:nvPr>
-        </p:nvSpPr>
-        <p:spPr>
-          <a:xfrm>
-            <a:off x="628650" y="383356"/>
-            <a:ext cx="7886700" cy="678287"/>
-          </a:xfrm>
-        </p:spPr>
-        <p:txBody>
-          <a:bodyPr>
-            <a:normAutofit/>
-          </a:bodyPr>
-          <a:lstStyle/>
-          <a:p>
-            <a:r>
-              <a:rPr lang="en-US" sz="2400" dirty="0"/>
               <a:t>Spending : Regional Spending Growth</a:t>
             </a:r>
             <a:endParaRPr lang="en-US" sz="2000" dirty="0"/>
@@ -17052,7 +16424,7 @@
 </p:sld>
 </file>
 
-<file path=ppt/slides/slide8.xml><?xml version="1.0" encoding="utf-8"?>
+<file path=ppt/slides/slide7.xml><?xml version="1.0" encoding="utf-8"?>
 <p:sld xmlns:a="http://schemas.openxmlformats.org/drawingml/2006/main" xmlns:r="http://schemas.openxmlformats.org/officeDocument/2006/relationships" xmlns:p="http://schemas.openxmlformats.org/presentationml/2006/main">
   <p:cSld>
     <p:spTree>
@@ -17252,7 +16624,7 @@
 </p:sld>
 </file>
 
-<file path=ppt/slides/slide9.xml><?xml version="1.0" encoding="utf-8"?>
+<file path=ppt/slides/slide8.xml><?xml version="1.0" encoding="utf-8"?>
 <p:sld xmlns:a="http://schemas.openxmlformats.org/drawingml/2006/main" xmlns:r="http://schemas.openxmlformats.org/officeDocument/2006/relationships" xmlns:p="http://schemas.openxmlformats.org/presentationml/2006/main">
   <p:cSld>
     <p:spTree>
@@ -17536,8 +16908,12 @@
               <a:buChar char="Ø"/>
             </a:pPr>
             <a:r>
+              <a:rPr lang="en-US" sz="1600" b="1" dirty="0" err="1"/>
+              <a:t>Venezuala</a:t>
+            </a:r>
+            <a:r>
               <a:rPr lang="en-US" sz="1600" b="1" dirty="0"/>
-              <a:t>Argentina- </a:t>
+              <a:t>- </a:t>
             </a:r>
             <a:r>
               <a:rPr lang="en-US" sz="1600" dirty="0" err="1"/>
@@ -17645,6 +17021,720 @@
     <p:extLst>
       <p:ext uri="{BB962C8B-B14F-4D97-AF65-F5344CB8AC3E}">
         <p14:creationId xmlns:p14="http://schemas.microsoft.com/office/powerpoint/2010/main" val="2282009576"/>
+      </p:ext>
+    </p:extLst>
+  </p:cSld>
+  <p:clrMapOvr>
+    <a:masterClrMapping/>
+  </p:clrMapOvr>
+</p:sld>
+</file>
+
+<file path=ppt/slides/slide9.xml><?xml version="1.0" encoding="utf-8"?>
+<p:sld xmlns:a="http://schemas.openxmlformats.org/drawingml/2006/main" xmlns:r="http://schemas.openxmlformats.org/officeDocument/2006/relationships" xmlns:p="http://schemas.openxmlformats.org/presentationml/2006/main">
+  <p:cSld>
+    <p:spTree>
+      <p:nvGrpSpPr>
+        <p:cNvPr id="1" name=""/>
+        <p:cNvGrpSpPr/>
+        <p:nvPr/>
+      </p:nvGrpSpPr>
+      <p:grpSpPr>
+        <a:xfrm>
+          <a:off x="0" y="0"/>
+          <a:ext cx="0" cy="0"/>
+          <a:chOff x="0" y="0"/>
+          <a:chExt cx="0" cy="0"/>
+        </a:xfrm>
+      </p:grpSpPr>
+      <p:sp>
+        <p:nvSpPr>
+          <p:cNvPr id="2" name="Title 1">
+            <a:extLst>
+              <a:ext uri="{FF2B5EF4-FFF2-40B4-BE49-F238E27FC236}">
+                <a16:creationId xmlns:a16="http://schemas.microsoft.com/office/drawing/2014/main" id="{F2CF371B-8DC2-4D45-8F0B-DD73E387B50D}"/>
+              </a:ext>
+            </a:extLst>
+          </p:cNvPr>
+          <p:cNvSpPr>
+            <a:spLocks noGrp="1"/>
+          </p:cNvSpPr>
+          <p:nvPr>
+            <p:ph type="title"/>
+          </p:nvPr>
+        </p:nvSpPr>
+        <p:spPr>
+          <a:xfrm>
+            <a:off x="628650" y="383356"/>
+            <a:ext cx="7886700" cy="678287"/>
+          </a:xfrm>
+        </p:spPr>
+        <p:txBody>
+          <a:bodyPr>
+            <a:normAutofit/>
+          </a:bodyPr>
+          <a:lstStyle/>
+          <a:p>
+            <a:r>
+              <a:rPr lang="en-US" sz="2400" dirty="0"/>
+              <a:t>Spending : Regional Spending Growth</a:t>
+            </a:r>
+            <a:endParaRPr lang="en-US" sz="2000" dirty="0"/>
+          </a:p>
+        </p:txBody>
+      </p:sp>
+      <p:cxnSp>
+        <p:nvCxnSpPr>
+          <p:cNvPr id="9" name="Straight Connector 8">
+            <a:extLst>
+              <a:ext uri="{FF2B5EF4-FFF2-40B4-BE49-F238E27FC236}">
+                <a16:creationId xmlns:a16="http://schemas.microsoft.com/office/drawing/2014/main" id="{8F26BB9A-3782-4FFC-A29F-1A72AC2E802A}"/>
+              </a:ext>
+            </a:extLst>
+          </p:cNvPr>
+          <p:cNvCxnSpPr>
+            <a:cxnSpLocks/>
+          </p:cNvCxnSpPr>
+          <p:nvPr/>
+        </p:nvCxnSpPr>
+        <p:spPr>
+          <a:xfrm flipH="1">
+            <a:off x="628650" y="956736"/>
+            <a:ext cx="7886700" cy="0"/>
+          </a:xfrm>
+          <a:prstGeom prst="line">
+            <a:avLst/>
+          </a:prstGeom>
+          <a:ln w="76200">
+            <a:solidFill>
+              <a:schemeClr val="accent1">
+                <a:lumMod val="50000"/>
+              </a:schemeClr>
+            </a:solidFill>
+          </a:ln>
+        </p:spPr>
+        <p:style>
+          <a:lnRef idx="1">
+            <a:schemeClr val="accent1"/>
+          </a:lnRef>
+          <a:fillRef idx="0">
+            <a:schemeClr val="accent1"/>
+          </a:fillRef>
+          <a:effectRef idx="0">
+            <a:schemeClr val="accent1"/>
+          </a:effectRef>
+          <a:fontRef idx="minor">
+            <a:schemeClr val="tx1"/>
+          </a:fontRef>
+        </p:style>
+      </p:cxnSp>
+      <p:sp>
+        <p:nvSpPr>
+          <p:cNvPr id="7" name="Content Placeholder 2">
+            <a:extLst>
+              <a:ext uri="{FF2B5EF4-FFF2-40B4-BE49-F238E27FC236}">
+                <a16:creationId xmlns:a16="http://schemas.microsoft.com/office/drawing/2014/main" id="{60485BC1-9513-42A5-AF72-3344E0BA19A2}"/>
+              </a:ext>
+            </a:extLst>
+          </p:cNvPr>
+          <p:cNvSpPr txBox="1">
+            <a:spLocks/>
+          </p:cNvSpPr>
+          <p:nvPr/>
+        </p:nvSpPr>
+        <p:spPr>
+          <a:xfrm>
+            <a:off x="872982" y="1080761"/>
+            <a:ext cx="7875890" cy="333762"/>
+          </a:xfrm>
+          <a:prstGeom prst="rect">
+            <a:avLst/>
+          </a:prstGeom>
+        </p:spPr>
+        <p:txBody>
+          <a:bodyPr vert="horz" lIns="68580" tIns="34290" rIns="68580" bIns="34290" rtlCol="0">
+            <a:normAutofit/>
+          </a:bodyPr>
+          <a:lstStyle>
+            <a:lvl1pPr marL="228600" indent="-228600" algn="l" defTabSz="914400" rtl="0" eaLnBrk="1" latinLnBrk="0" hangingPunct="1">
+              <a:lnSpc>
+                <a:spcPct val="90000"/>
+              </a:lnSpc>
+              <a:spcBef>
+                <a:spcPts val="1000"/>
+              </a:spcBef>
+              <a:buFont typeface="Arial" panose="020B0604020202020204" pitchFamily="34" charset="0"/>
+              <a:buChar char="•"/>
+              <a:defRPr sz="2800" kern="1200">
+                <a:solidFill>
+                  <a:schemeClr val="tx1"/>
+                </a:solidFill>
+                <a:latin typeface="+mn-lt"/>
+                <a:ea typeface="+mn-ea"/>
+                <a:cs typeface="+mn-cs"/>
+              </a:defRPr>
+            </a:lvl1pPr>
+            <a:lvl2pPr marL="685800" indent="-228600" algn="l" defTabSz="914400" rtl="0" eaLnBrk="1" latinLnBrk="0" hangingPunct="1">
+              <a:lnSpc>
+                <a:spcPct val="90000"/>
+              </a:lnSpc>
+              <a:spcBef>
+                <a:spcPts val="500"/>
+              </a:spcBef>
+              <a:buFont typeface="Arial" panose="020B0604020202020204" pitchFamily="34" charset="0"/>
+              <a:buChar char="•"/>
+              <a:defRPr sz="2400" kern="1200">
+                <a:solidFill>
+                  <a:schemeClr val="tx1"/>
+                </a:solidFill>
+                <a:latin typeface="+mn-lt"/>
+                <a:ea typeface="+mn-ea"/>
+                <a:cs typeface="+mn-cs"/>
+              </a:defRPr>
+            </a:lvl2pPr>
+            <a:lvl3pPr marL="1143000" indent="-228600" algn="l" defTabSz="914400" rtl="0" eaLnBrk="1" latinLnBrk="0" hangingPunct="1">
+              <a:lnSpc>
+                <a:spcPct val="90000"/>
+              </a:lnSpc>
+              <a:spcBef>
+                <a:spcPts val="500"/>
+              </a:spcBef>
+              <a:buFont typeface="Arial" panose="020B0604020202020204" pitchFamily="34" charset="0"/>
+              <a:buChar char="•"/>
+              <a:defRPr sz="2000" kern="1200">
+                <a:solidFill>
+                  <a:schemeClr val="tx1"/>
+                </a:solidFill>
+                <a:latin typeface="+mn-lt"/>
+                <a:ea typeface="+mn-ea"/>
+                <a:cs typeface="+mn-cs"/>
+              </a:defRPr>
+            </a:lvl3pPr>
+            <a:lvl4pPr marL="1600200" indent="-228600" algn="l" defTabSz="914400" rtl="0" eaLnBrk="1" latinLnBrk="0" hangingPunct="1">
+              <a:lnSpc>
+                <a:spcPct val="90000"/>
+              </a:lnSpc>
+              <a:spcBef>
+                <a:spcPts val="500"/>
+              </a:spcBef>
+              <a:buFont typeface="Arial" panose="020B0604020202020204" pitchFamily="34" charset="0"/>
+              <a:buChar char="•"/>
+              <a:defRPr sz="1800" kern="1200">
+                <a:solidFill>
+                  <a:schemeClr val="tx1"/>
+                </a:solidFill>
+                <a:latin typeface="+mn-lt"/>
+                <a:ea typeface="+mn-ea"/>
+                <a:cs typeface="+mn-cs"/>
+              </a:defRPr>
+            </a:lvl4pPr>
+            <a:lvl5pPr marL="2057400" indent="-228600" algn="l" defTabSz="914400" rtl="0" eaLnBrk="1" latinLnBrk="0" hangingPunct="1">
+              <a:lnSpc>
+                <a:spcPct val="90000"/>
+              </a:lnSpc>
+              <a:spcBef>
+                <a:spcPts val="500"/>
+              </a:spcBef>
+              <a:buFont typeface="Arial" panose="020B0604020202020204" pitchFamily="34" charset="0"/>
+              <a:buChar char="•"/>
+              <a:defRPr sz="1800" kern="1200">
+                <a:solidFill>
+                  <a:schemeClr val="tx1"/>
+                </a:solidFill>
+                <a:latin typeface="+mn-lt"/>
+                <a:ea typeface="+mn-ea"/>
+                <a:cs typeface="+mn-cs"/>
+              </a:defRPr>
+            </a:lvl5pPr>
+            <a:lvl6pPr marL="2514600" indent="-228600" algn="l" defTabSz="914400" rtl="0" eaLnBrk="1" latinLnBrk="0" hangingPunct="1">
+              <a:lnSpc>
+                <a:spcPct val="90000"/>
+              </a:lnSpc>
+              <a:spcBef>
+                <a:spcPts val="500"/>
+              </a:spcBef>
+              <a:buFont typeface="Arial" panose="020B0604020202020204" pitchFamily="34" charset="0"/>
+              <a:buChar char="•"/>
+              <a:defRPr sz="1800" kern="1200">
+                <a:solidFill>
+                  <a:schemeClr val="tx1"/>
+                </a:solidFill>
+                <a:latin typeface="+mn-lt"/>
+                <a:ea typeface="+mn-ea"/>
+                <a:cs typeface="+mn-cs"/>
+              </a:defRPr>
+            </a:lvl6pPr>
+            <a:lvl7pPr marL="2971800" indent="-228600" algn="l" defTabSz="914400" rtl="0" eaLnBrk="1" latinLnBrk="0" hangingPunct="1">
+              <a:lnSpc>
+                <a:spcPct val="90000"/>
+              </a:lnSpc>
+              <a:spcBef>
+                <a:spcPts val="500"/>
+              </a:spcBef>
+              <a:buFont typeface="Arial" panose="020B0604020202020204" pitchFamily="34" charset="0"/>
+              <a:buChar char="•"/>
+              <a:defRPr sz="1800" kern="1200">
+                <a:solidFill>
+                  <a:schemeClr val="tx1"/>
+                </a:solidFill>
+                <a:latin typeface="+mn-lt"/>
+                <a:ea typeface="+mn-ea"/>
+                <a:cs typeface="+mn-cs"/>
+              </a:defRPr>
+            </a:lvl7pPr>
+            <a:lvl8pPr marL="3429000" indent="-228600" algn="l" defTabSz="914400" rtl="0" eaLnBrk="1" latinLnBrk="0" hangingPunct="1">
+              <a:lnSpc>
+                <a:spcPct val="90000"/>
+              </a:lnSpc>
+              <a:spcBef>
+                <a:spcPts val="500"/>
+              </a:spcBef>
+              <a:buFont typeface="Arial" panose="020B0604020202020204" pitchFamily="34" charset="0"/>
+              <a:buChar char="•"/>
+              <a:defRPr sz="1800" kern="1200">
+                <a:solidFill>
+                  <a:schemeClr val="tx1"/>
+                </a:solidFill>
+                <a:latin typeface="+mn-lt"/>
+                <a:ea typeface="+mn-ea"/>
+                <a:cs typeface="+mn-cs"/>
+              </a:defRPr>
+            </a:lvl8pPr>
+            <a:lvl9pPr marL="3886200" indent="-228600" algn="l" defTabSz="914400" rtl="0" eaLnBrk="1" latinLnBrk="0" hangingPunct="1">
+              <a:lnSpc>
+                <a:spcPct val="90000"/>
+              </a:lnSpc>
+              <a:spcBef>
+                <a:spcPts val="500"/>
+              </a:spcBef>
+              <a:buFont typeface="Arial" panose="020B0604020202020204" pitchFamily="34" charset="0"/>
+              <a:buChar char="•"/>
+              <a:defRPr sz="1800" kern="1200">
+                <a:solidFill>
+                  <a:schemeClr val="tx1"/>
+                </a:solidFill>
+                <a:latin typeface="+mn-lt"/>
+                <a:ea typeface="+mn-ea"/>
+                <a:cs typeface="+mn-cs"/>
+              </a:defRPr>
+            </a:lvl9pPr>
+          </a:lstStyle>
+          <a:p>
+            <a:pPr marL="0" indent="0">
+              <a:buNone/>
+            </a:pPr>
+            <a:endParaRPr lang="en-US" sz="1600" i="1" dirty="0"/>
+          </a:p>
+        </p:txBody>
+      </p:sp>
+      <p:sp>
+        <p:nvSpPr>
+          <p:cNvPr id="3" name="Rectangle 2">
+            <a:extLst>
+              <a:ext uri="{FF2B5EF4-FFF2-40B4-BE49-F238E27FC236}">
+                <a16:creationId xmlns:a16="http://schemas.microsoft.com/office/drawing/2014/main" id="{D94F6BC6-6192-0AE9-A8F9-3A766E4EC900}"/>
+              </a:ext>
+            </a:extLst>
+          </p:cNvPr>
+          <p:cNvSpPr/>
+          <p:nvPr/>
+        </p:nvSpPr>
+        <p:spPr>
+          <a:xfrm>
+            <a:off x="6684850" y="159835"/>
+            <a:ext cx="1675460" cy="1446550"/>
+          </a:xfrm>
+          <a:prstGeom prst="rect">
+            <a:avLst/>
+          </a:prstGeom>
+          <a:noFill/>
+        </p:spPr>
+        <p:txBody>
+          <a:bodyPr wrap="none" lIns="91440" tIns="45720" rIns="91440" bIns="45720">
+            <a:spAutoFit/>
+            <a:scene3d>
+              <a:camera prst="orthographicFront"/>
+              <a:lightRig rig="soft" dir="t">
+                <a:rot lat="0" lon="0" rev="15600000"/>
+              </a:lightRig>
+            </a:scene3d>
+            <a:sp3d extrusionH="57150" prstMaterial="softEdge">
+              <a:bevelT w="25400" h="38100"/>
+            </a:sp3d>
+          </a:bodyPr>
+          <a:lstStyle/>
+          <a:p>
+            <a:pPr algn="ctr"/>
+            <a:r>
+              <a:rPr lang="en-US" sz="8800" b="1" dirty="0">
+                <a:ln/>
+                <a:solidFill>
+                  <a:schemeClr val="accent4"/>
+                </a:solidFill>
+              </a:rPr>
+              <a:t>***</a:t>
+            </a:r>
+          </a:p>
+        </p:txBody>
+      </p:sp>
+      <p:pic>
+        <p:nvPicPr>
+          <p:cNvPr id="8" name="Content Placeholder 7" descr="A screenshot of a graph&#10;&#10;Description automatically generated">
+            <a:extLst>
+              <a:ext uri="{FF2B5EF4-FFF2-40B4-BE49-F238E27FC236}">
+                <a16:creationId xmlns:a16="http://schemas.microsoft.com/office/drawing/2014/main" id="{D1141470-6EC0-4A38-66F1-59702EC78BE4}"/>
+              </a:ext>
+            </a:extLst>
+          </p:cNvPr>
+          <p:cNvPicPr>
+            <a:picLocks noGrp="1" noChangeAspect="1"/>
+          </p:cNvPicPr>
+          <p:nvPr>
+            <p:ph idx="1"/>
+          </p:nvPr>
+        </p:nvPicPr>
+        <p:blipFill>
+          <a:blip r:embed="rId3">
+            <a:extLst>
+              <a:ext uri="{28A0092B-C50C-407E-A947-70E740481C1C}">
+                <a14:useLocalDpi xmlns:a14="http://schemas.microsoft.com/office/drawing/2010/main" val="0"/>
+              </a:ext>
+            </a:extLst>
+          </a:blip>
+          <a:stretch>
+            <a:fillRect/>
+          </a:stretch>
+        </p:blipFill>
+        <p:spPr>
+          <a:xfrm>
+            <a:off x="-678873" y="656021"/>
+            <a:ext cx="10070240" cy="6042144"/>
+          </a:xfrm>
+        </p:spPr>
+      </p:pic>
+      <p:sp>
+        <p:nvSpPr>
+          <p:cNvPr id="16" name="Content Placeholder 3">
+            <a:extLst>
+              <a:ext uri="{FF2B5EF4-FFF2-40B4-BE49-F238E27FC236}">
+                <a16:creationId xmlns:a16="http://schemas.microsoft.com/office/drawing/2014/main" id="{6569369F-C892-6D79-ABD1-379A01DA9AAD}"/>
+              </a:ext>
+            </a:extLst>
+          </p:cNvPr>
+          <p:cNvSpPr txBox="1">
+            <a:spLocks/>
+          </p:cNvSpPr>
+          <p:nvPr/>
+        </p:nvSpPr>
+        <p:spPr>
+          <a:xfrm>
+            <a:off x="4955564" y="2387942"/>
+            <a:ext cx="3458572" cy="2607740"/>
+          </a:xfrm>
+          <a:prstGeom prst="rect">
+            <a:avLst/>
+          </a:prstGeom>
+        </p:spPr>
+        <p:txBody>
+          <a:bodyPr vert="horz" lIns="91440" tIns="45720" rIns="91440" bIns="45720" rtlCol="0">
+            <a:normAutofit fontScale="92500" lnSpcReduction="20000"/>
+          </a:bodyPr>
+          <a:lstStyle>
+            <a:lvl1pPr marL="342906" indent="-342906" algn="l" defTabSz="457207" rtl="0" eaLnBrk="1" latinLnBrk="0" hangingPunct="1">
+              <a:spcBef>
+                <a:spcPts val="1000"/>
+              </a:spcBef>
+              <a:spcAft>
+                <a:spcPts val="0"/>
+              </a:spcAft>
+              <a:buClr>
+                <a:schemeClr val="bg2">
+                  <a:lumMod val="40000"/>
+                  <a:lumOff val="60000"/>
+                </a:schemeClr>
+              </a:buClr>
+              <a:buSzPct val="80000"/>
+              <a:buFont typeface="Wingdings 3" charset="2"/>
+              <a:buChar char=""/>
+              <a:defRPr sz="2000" b="0" i="0" kern="1200">
+                <a:solidFill>
+                  <a:schemeClr val="tx1"/>
+                </a:solidFill>
+                <a:latin typeface="+mj-lt"/>
+                <a:ea typeface="+mj-ea"/>
+                <a:cs typeface="+mj-cs"/>
+              </a:defRPr>
+            </a:lvl1pPr>
+            <a:lvl2pPr marL="742962" indent="-285755" algn="l" defTabSz="457207" rtl="0" eaLnBrk="1" latinLnBrk="0" hangingPunct="1">
+              <a:spcBef>
+                <a:spcPts val="1000"/>
+              </a:spcBef>
+              <a:spcAft>
+                <a:spcPts val="0"/>
+              </a:spcAft>
+              <a:buClr>
+                <a:schemeClr val="bg2">
+                  <a:lumMod val="40000"/>
+                  <a:lumOff val="60000"/>
+                </a:schemeClr>
+              </a:buClr>
+              <a:buSzPct val="80000"/>
+              <a:buFont typeface="Wingdings 3" charset="2"/>
+              <a:buChar char=""/>
+              <a:defRPr sz="1800" b="0" i="0" kern="1200">
+                <a:solidFill>
+                  <a:schemeClr val="tx1"/>
+                </a:solidFill>
+                <a:latin typeface="+mj-lt"/>
+                <a:ea typeface="+mj-ea"/>
+                <a:cs typeface="+mj-cs"/>
+              </a:defRPr>
+            </a:lvl2pPr>
+            <a:lvl3pPr marL="1143020" indent="-228604" algn="l" defTabSz="457207" rtl="0" eaLnBrk="1" latinLnBrk="0" hangingPunct="1">
+              <a:spcBef>
+                <a:spcPts val="1000"/>
+              </a:spcBef>
+              <a:spcAft>
+                <a:spcPts val="0"/>
+              </a:spcAft>
+              <a:buClr>
+                <a:schemeClr val="bg2">
+                  <a:lumMod val="40000"/>
+                  <a:lumOff val="60000"/>
+                </a:schemeClr>
+              </a:buClr>
+              <a:buSzPct val="80000"/>
+              <a:buFont typeface="Wingdings 3" charset="2"/>
+              <a:buChar char=""/>
+              <a:defRPr sz="1600" b="0" i="0" kern="1200">
+                <a:solidFill>
+                  <a:schemeClr val="tx1"/>
+                </a:solidFill>
+                <a:latin typeface="+mj-lt"/>
+                <a:ea typeface="+mj-ea"/>
+                <a:cs typeface="+mj-cs"/>
+              </a:defRPr>
+            </a:lvl3pPr>
+            <a:lvl4pPr marL="1600227" indent="-228604" algn="l" defTabSz="457207" rtl="0" eaLnBrk="1" latinLnBrk="0" hangingPunct="1">
+              <a:spcBef>
+                <a:spcPts val="1000"/>
+              </a:spcBef>
+              <a:spcAft>
+                <a:spcPts val="0"/>
+              </a:spcAft>
+              <a:buClr>
+                <a:schemeClr val="bg2">
+                  <a:lumMod val="40000"/>
+                  <a:lumOff val="60000"/>
+                </a:schemeClr>
+              </a:buClr>
+              <a:buSzPct val="80000"/>
+              <a:buFont typeface="Wingdings 3" charset="2"/>
+              <a:buChar char=""/>
+              <a:defRPr sz="1400" b="0" i="0" kern="1200">
+                <a:solidFill>
+                  <a:schemeClr val="tx1"/>
+                </a:solidFill>
+                <a:latin typeface="+mj-lt"/>
+                <a:ea typeface="+mj-ea"/>
+                <a:cs typeface="+mj-cs"/>
+              </a:defRPr>
+            </a:lvl4pPr>
+            <a:lvl5pPr marL="2057434" indent="-228604" algn="l" defTabSz="457207" rtl="0" eaLnBrk="1" latinLnBrk="0" hangingPunct="1">
+              <a:spcBef>
+                <a:spcPts val="1000"/>
+              </a:spcBef>
+              <a:spcAft>
+                <a:spcPts val="0"/>
+              </a:spcAft>
+              <a:buClr>
+                <a:schemeClr val="bg2">
+                  <a:lumMod val="40000"/>
+                  <a:lumOff val="60000"/>
+                </a:schemeClr>
+              </a:buClr>
+              <a:buSzPct val="80000"/>
+              <a:buFont typeface="Wingdings 3" charset="2"/>
+              <a:buChar char=""/>
+              <a:defRPr sz="1400" b="0" i="0" kern="1200">
+                <a:solidFill>
+                  <a:schemeClr val="tx1"/>
+                </a:solidFill>
+                <a:latin typeface="+mj-lt"/>
+                <a:ea typeface="+mj-ea"/>
+                <a:cs typeface="+mj-cs"/>
+              </a:defRPr>
+            </a:lvl5pPr>
+            <a:lvl6pPr marL="2514642" indent="-228604" algn="l" defTabSz="457207" rtl="0" eaLnBrk="1" latinLnBrk="0" hangingPunct="1">
+              <a:spcBef>
+                <a:spcPts val="1000"/>
+              </a:spcBef>
+              <a:spcAft>
+                <a:spcPts val="0"/>
+              </a:spcAft>
+              <a:buClr>
+                <a:schemeClr val="bg2">
+                  <a:lumMod val="40000"/>
+                  <a:lumOff val="60000"/>
+                </a:schemeClr>
+              </a:buClr>
+              <a:buSzPct val="80000"/>
+              <a:buFont typeface="Wingdings 3" charset="2"/>
+              <a:buChar char=""/>
+              <a:defRPr sz="1400" b="0" i="0" kern="1200">
+                <a:solidFill>
+                  <a:schemeClr val="tx1"/>
+                </a:solidFill>
+                <a:latin typeface="+mj-lt"/>
+                <a:ea typeface="+mj-ea"/>
+                <a:cs typeface="+mj-cs"/>
+              </a:defRPr>
+            </a:lvl6pPr>
+            <a:lvl7pPr marL="2971849" indent="-228604" algn="l" defTabSz="457207" rtl="0" eaLnBrk="1" latinLnBrk="0" hangingPunct="1">
+              <a:spcBef>
+                <a:spcPts val="1000"/>
+              </a:spcBef>
+              <a:spcAft>
+                <a:spcPts val="0"/>
+              </a:spcAft>
+              <a:buClr>
+                <a:schemeClr val="bg2">
+                  <a:lumMod val="40000"/>
+                  <a:lumOff val="60000"/>
+                </a:schemeClr>
+              </a:buClr>
+              <a:buSzPct val="80000"/>
+              <a:buFont typeface="Wingdings 3" charset="2"/>
+              <a:buChar char=""/>
+              <a:defRPr sz="1400" b="0" i="0" kern="1200">
+                <a:solidFill>
+                  <a:schemeClr val="tx1"/>
+                </a:solidFill>
+                <a:latin typeface="+mj-lt"/>
+                <a:ea typeface="+mj-ea"/>
+                <a:cs typeface="+mj-cs"/>
+              </a:defRPr>
+            </a:lvl7pPr>
+            <a:lvl8pPr marL="3429057" indent="-228604" algn="l" defTabSz="457207" rtl="0" eaLnBrk="1" latinLnBrk="0" hangingPunct="1">
+              <a:spcBef>
+                <a:spcPts val="1000"/>
+              </a:spcBef>
+              <a:spcAft>
+                <a:spcPts val="0"/>
+              </a:spcAft>
+              <a:buClr>
+                <a:schemeClr val="bg2">
+                  <a:lumMod val="40000"/>
+                  <a:lumOff val="60000"/>
+                </a:schemeClr>
+              </a:buClr>
+              <a:buSzPct val="80000"/>
+              <a:buFont typeface="Wingdings 3" charset="2"/>
+              <a:buChar char=""/>
+              <a:defRPr sz="1400" b="0" i="0" kern="1200">
+                <a:solidFill>
+                  <a:schemeClr val="tx1"/>
+                </a:solidFill>
+                <a:latin typeface="+mj-lt"/>
+                <a:ea typeface="+mj-ea"/>
+                <a:cs typeface="+mj-cs"/>
+              </a:defRPr>
+            </a:lvl8pPr>
+            <a:lvl9pPr marL="3886264" indent="-228604" algn="l" defTabSz="457207" rtl="0" eaLnBrk="1" latinLnBrk="0" hangingPunct="1">
+              <a:spcBef>
+                <a:spcPts val="1000"/>
+              </a:spcBef>
+              <a:spcAft>
+                <a:spcPts val="0"/>
+              </a:spcAft>
+              <a:buClr>
+                <a:schemeClr val="bg2">
+                  <a:lumMod val="40000"/>
+                  <a:lumOff val="60000"/>
+                </a:schemeClr>
+              </a:buClr>
+              <a:buSzPct val="80000"/>
+              <a:buFont typeface="Wingdings 3" charset="2"/>
+              <a:buChar char=""/>
+              <a:defRPr sz="1400" b="0" i="0" kern="1200">
+                <a:solidFill>
+                  <a:schemeClr val="tx1"/>
+                </a:solidFill>
+                <a:latin typeface="+mj-lt"/>
+                <a:ea typeface="+mj-ea"/>
+                <a:cs typeface="+mj-cs"/>
+              </a:defRPr>
+            </a:lvl9pPr>
+          </a:lstStyle>
+          <a:p>
+            <a:r>
+              <a:rPr lang="en-US" sz="1400" b="1" dirty="0"/>
+              <a:t>Estonia </a:t>
+            </a:r>
+            <a:r>
+              <a:rPr lang="en-US" sz="1400" dirty="0"/>
+              <a:t>exciting price growth (developing)</a:t>
+            </a:r>
+          </a:p>
+          <a:p>
+            <a:pPr lvl="1"/>
+            <a:r>
+              <a:rPr lang="en-US" sz="1200" dirty="0"/>
+              <a:t>Cultural demand (Russian influence)</a:t>
+            </a:r>
+          </a:p>
+          <a:p>
+            <a:pPr lvl="1"/>
+            <a:r>
+              <a:rPr lang="en-US" sz="1200" dirty="0"/>
+              <a:t>Small Population</a:t>
+            </a:r>
+          </a:p>
+          <a:p>
+            <a:pPr lvl="1"/>
+            <a:r>
+              <a:rPr lang="en-US" sz="1200" dirty="0"/>
+              <a:t>Median price </a:t>
+            </a:r>
+          </a:p>
+          <a:p>
+            <a:r>
+              <a:rPr lang="en-US" sz="1400" b="1" dirty="0"/>
+              <a:t>Australia </a:t>
+            </a:r>
+            <a:r>
+              <a:rPr lang="en-US" sz="1400" dirty="0"/>
+              <a:t>and </a:t>
+            </a:r>
+            <a:r>
+              <a:rPr lang="en-US" sz="1400" b="1" dirty="0"/>
+              <a:t>Canada highest growth in price </a:t>
+            </a:r>
+            <a:r>
+              <a:rPr lang="en-US" sz="1400" dirty="0"/>
+              <a:t>outside of the European market</a:t>
+            </a:r>
+          </a:p>
+          <a:p>
+            <a:pPr lvl="1"/>
+            <a:endParaRPr lang="en-US" sz="1200" dirty="0"/>
+          </a:p>
+          <a:p>
+            <a:r>
+              <a:rPr lang="en-US" sz="1400" b="1" dirty="0"/>
+              <a:t>Limitations- Africa, Asia, Middle East </a:t>
+            </a:r>
+            <a:r>
+              <a:rPr lang="en-US" sz="1400" dirty="0"/>
+              <a:t>underrepresented in OECD Data</a:t>
+            </a:r>
+          </a:p>
+        </p:txBody>
+      </p:sp>
+    </p:spTree>
+    <p:extLst>
+      <p:ext uri="{BB962C8B-B14F-4D97-AF65-F5344CB8AC3E}">
+        <p14:creationId xmlns:p14="http://schemas.microsoft.com/office/powerpoint/2010/main" val="2736054603"/>
       </p:ext>
     </p:extLst>
   </p:cSld>
